--- a/DAY1/06 - Machine Learning Metrics/machine_learning_metrics_lecture.pptx
+++ b/DAY1/06 - Machine Learning Metrics/machine_learning_metrics_lecture.pptx
@@ -125,6 +125,11 @@
       </a:defRPr>
     </a:lvl9pPr>
   </p:defaultTextStyle>
+  <p:extLst>
+    <p:ext uri="{EFAFB233-063F-42B5-8137-9DF3F51BA10A}">
+      <p15:sldGuideLst xmlns:p15="http://schemas.microsoft.com/office/powerpoint/2012/main"/>
+    </p:ext>
+  </p:extLst>
 </p:presentation>
 </file>
 
@@ -277,7 +282,7 @@
           <a:p>
             <a:fld id="{FF78F56B-BDF6-EF47-AAE0-2E81F2FBAFDF}" type="datetimeFigureOut">
               <a:rPr lang="en-CH" smtClean="0"/>
-              <a:t>03.01.2024</a:t>
+              <a:t>11.01.2024</a:t>
             </a:fld>
             <a:endParaRPr lang="en-CH"/>
           </a:p>
@@ -477,7 +482,7 @@
           <a:p>
             <a:fld id="{FF78F56B-BDF6-EF47-AAE0-2E81F2FBAFDF}" type="datetimeFigureOut">
               <a:rPr lang="en-CH" smtClean="0"/>
-              <a:t>03.01.2024</a:t>
+              <a:t>11.01.2024</a:t>
             </a:fld>
             <a:endParaRPr lang="en-CH"/>
           </a:p>
@@ -687,7 +692,7 @@
           <a:p>
             <a:fld id="{FF78F56B-BDF6-EF47-AAE0-2E81F2FBAFDF}" type="datetimeFigureOut">
               <a:rPr lang="en-CH" smtClean="0"/>
-              <a:t>03.01.2024</a:t>
+              <a:t>11.01.2024</a:t>
             </a:fld>
             <a:endParaRPr lang="en-CH"/>
           </a:p>
@@ -887,7 +892,7 @@
           <a:p>
             <a:fld id="{FF78F56B-BDF6-EF47-AAE0-2E81F2FBAFDF}" type="datetimeFigureOut">
               <a:rPr lang="en-CH" smtClean="0"/>
-              <a:t>03.01.2024</a:t>
+              <a:t>11.01.2024</a:t>
             </a:fld>
             <a:endParaRPr lang="en-CH"/>
           </a:p>
@@ -1163,7 +1168,7 @@
           <a:p>
             <a:fld id="{FF78F56B-BDF6-EF47-AAE0-2E81F2FBAFDF}" type="datetimeFigureOut">
               <a:rPr lang="en-CH" smtClean="0"/>
-              <a:t>03.01.2024</a:t>
+              <a:t>11.01.2024</a:t>
             </a:fld>
             <a:endParaRPr lang="en-CH"/>
           </a:p>
@@ -1431,7 +1436,7 @@
           <a:p>
             <a:fld id="{FF78F56B-BDF6-EF47-AAE0-2E81F2FBAFDF}" type="datetimeFigureOut">
               <a:rPr lang="en-CH" smtClean="0"/>
-              <a:t>03.01.2024</a:t>
+              <a:t>11.01.2024</a:t>
             </a:fld>
             <a:endParaRPr lang="en-CH"/>
           </a:p>
@@ -1846,7 +1851,7 @@
           <a:p>
             <a:fld id="{FF78F56B-BDF6-EF47-AAE0-2E81F2FBAFDF}" type="datetimeFigureOut">
               <a:rPr lang="en-CH" smtClean="0"/>
-              <a:t>03.01.2024</a:t>
+              <a:t>11.01.2024</a:t>
             </a:fld>
             <a:endParaRPr lang="en-CH"/>
           </a:p>
@@ -1988,7 +1993,7 @@
           <a:p>
             <a:fld id="{FF78F56B-BDF6-EF47-AAE0-2E81F2FBAFDF}" type="datetimeFigureOut">
               <a:rPr lang="en-CH" smtClean="0"/>
-              <a:t>03.01.2024</a:t>
+              <a:t>11.01.2024</a:t>
             </a:fld>
             <a:endParaRPr lang="en-CH"/>
           </a:p>
@@ -2101,7 +2106,7 @@
           <a:p>
             <a:fld id="{FF78F56B-BDF6-EF47-AAE0-2E81F2FBAFDF}" type="datetimeFigureOut">
               <a:rPr lang="en-CH" smtClean="0"/>
-              <a:t>03.01.2024</a:t>
+              <a:t>11.01.2024</a:t>
             </a:fld>
             <a:endParaRPr lang="en-CH"/>
           </a:p>
@@ -2414,7 +2419,7 @@
           <a:p>
             <a:fld id="{FF78F56B-BDF6-EF47-AAE0-2E81F2FBAFDF}" type="datetimeFigureOut">
               <a:rPr lang="en-CH" smtClean="0"/>
-              <a:t>03.01.2024</a:t>
+              <a:t>11.01.2024</a:t>
             </a:fld>
             <a:endParaRPr lang="en-CH"/>
           </a:p>
@@ -2703,7 +2708,7 @@
           <a:p>
             <a:fld id="{FF78F56B-BDF6-EF47-AAE0-2E81F2FBAFDF}" type="datetimeFigureOut">
               <a:rPr lang="en-CH" smtClean="0"/>
-              <a:t>03.01.2024</a:t>
+              <a:t>11.01.2024</a:t>
             </a:fld>
             <a:endParaRPr lang="en-CH"/>
           </a:p>
@@ -2948,7 +2953,7 @@
             <a:fld id="{FF78F56B-BDF6-EF47-AAE0-2E81F2FBAFDF}" type="datetimeFigureOut">
               <a:rPr lang="en-CH" smtClean="0"/>
               <a:pPr/>
-              <a:t>03.01.2024</a:t>
+              <a:t>11.01.2024</a:t>
             </a:fld>
             <a:endParaRPr lang="en-CH" dirty="0"/>
           </a:p>
@@ -8369,8 +8374,8 @@
           <a:chExt cx="0" cy="0"/>
         </a:xfrm>
       </p:grpSpPr>
-      <mc:AlternateContent xmlns:mc="http://schemas.openxmlformats.org/markup-compatibility/2006">
-        <mc:Choice xmlns:a14="http://schemas.microsoft.com/office/drawing/2010/main" Requires="a14">
+      <mc:AlternateContent xmlns:mc="http://schemas.openxmlformats.org/markup-compatibility/2006" xmlns:a14="http://schemas.microsoft.com/office/drawing/2010/main">
+        <mc:Choice Requires="a14">
           <p:sp>
             <p:nvSpPr>
               <p:cNvPr id="2" name="Title 1">
@@ -8429,7 +8434,7 @@
             </p:txBody>
           </p:sp>
         </mc:Choice>
-        <mc:Fallback>
+        <mc:Fallback xmlns="">
           <p:sp>
             <p:nvSpPr>
               <p:cNvPr id="2" name="Title 1">
@@ -8469,8 +8474,8 @@
           </p:sp>
         </mc:Fallback>
       </mc:AlternateContent>
-      <mc:AlternateContent xmlns:mc="http://schemas.openxmlformats.org/markup-compatibility/2006">
-        <mc:Choice xmlns:a14="http://schemas.microsoft.com/office/drawing/2010/main" Requires="a14">
+      <mc:AlternateContent xmlns:mc="http://schemas.openxmlformats.org/markup-compatibility/2006" xmlns:a14="http://schemas.microsoft.com/office/drawing/2010/main">
+        <mc:Choice Requires="a14">
           <p:sp>
             <p:nvSpPr>
               <p:cNvPr id="3" name="Content Placeholder 2">
@@ -8537,7 +8542,7 @@
             </p:txBody>
           </p:sp>
         </mc:Choice>
-        <mc:Fallback>
+        <mc:Fallback xmlns="">
           <p:sp>
             <p:nvSpPr>
               <p:cNvPr id="3" name="Content Placeholder 2">
@@ -10644,8 +10649,8 @@
           </a:p>
         </p:txBody>
       </p:sp>
-      <mc:AlternateContent xmlns:mc="http://schemas.openxmlformats.org/markup-compatibility/2006">
-        <mc:Choice xmlns:a14="http://schemas.microsoft.com/office/drawing/2010/main" Requires="a14">
+      <mc:AlternateContent xmlns:mc="http://schemas.openxmlformats.org/markup-compatibility/2006" xmlns:a14="http://schemas.microsoft.com/office/drawing/2010/main">
+        <mc:Choice Requires="a14">
           <p:sp>
             <p:nvSpPr>
               <p:cNvPr id="3" name="Content Placeholder 2">
@@ -10717,7 +10722,7 @@
             </p:txBody>
           </p:sp>
         </mc:Choice>
-        <mc:Fallback>
+        <mc:Fallback xmlns="">
           <p:sp>
             <p:nvSpPr>
               <p:cNvPr id="3" name="Content Placeholder 2">
@@ -14518,6 +14523,49 @@
           </a:prstGeom>
         </p:spPr>
       </p:pic>
+      <p:sp>
+        <p:nvSpPr>
+          <p:cNvPr id="3" name="TextBox 2">
+            <a:extLst>
+              <a:ext uri="{FF2B5EF4-FFF2-40B4-BE49-F238E27FC236}">
+                <a16:creationId xmlns:a16="http://schemas.microsoft.com/office/drawing/2014/main" id="{81A726FC-27FC-8606-3FBC-AF5A7FA67FD7}"/>
+              </a:ext>
+            </a:extLst>
+          </p:cNvPr>
+          <p:cNvSpPr txBox="1"/>
+          <p:nvPr/>
+        </p:nvSpPr>
+        <p:spPr>
+          <a:xfrm>
+            <a:off x="258418" y="6492875"/>
+            <a:ext cx="11675164" cy="338554"/>
+          </a:xfrm>
+          <a:prstGeom prst="rect">
+            <a:avLst/>
+          </a:prstGeom>
+          <a:noFill/>
+        </p:spPr>
+        <p:txBody>
+          <a:bodyPr wrap="square">
+            <a:spAutoFit/>
+          </a:bodyPr>
+          <a:lstStyle/>
+          <a:p>
+            <a:r>
+              <a:rPr lang="en-CH" sz="1600" dirty="0"/>
+              <a:t>Fundamental Mathematical Concepts for Machine Learning in Science, Umberto Michelucci, S</a:t>
+            </a:r>
+            <a:r>
+              <a:rPr lang="en-GB" sz="1600" dirty="0"/>
+              <a:t>p</a:t>
+            </a:r>
+            <a:r>
+              <a:rPr lang="en-CH" sz="1600" dirty="0"/>
+              <a:t>ringer Nature (available in 2024)</a:t>
+            </a:r>
+          </a:p>
+        </p:txBody>
+      </p:sp>
     </p:spTree>
     <p:extLst>
       <p:ext uri="{BB962C8B-B14F-4D97-AF65-F5344CB8AC3E}">

--- a/DAY1/06 - Machine Learning Metrics/machine_learning_metrics_lecture.pptx
+++ b/DAY1/06 - Machine Learning Metrics/machine_learning_metrics_lecture.pptx
@@ -8,25 +8,26 @@
     <p:sldId id="256" r:id="rId2"/>
     <p:sldId id="257" r:id="rId3"/>
     <p:sldId id="258" r:id="rId4"/>
-    <p:sldId id="326" r:id="rId5"/>
-    <p:sldId id="340" r:id="rId6"/>
-    <p:sldId id="291" r:id="rId7"/>
-    <p:sldId id="341" r:id="rId8"/>
-    <p:sldId id="312" r:id="rId9"/>
-    <p:sldId id="342" r:id="rId10"/>
-    <p:sldId id="327" r:id="rId11"/>
-    <p:sldId id="343" r:id="rId12"/>
-    <p:sldId id="328" r:id="rId13"/>
-    <p:sldId id="346" r:id="rId14"/>
-    <p:sldId id="344" r:id="rId15"/>
-    <p:sldId id="311" r:id="rId16"/>
-    <p:sldId id="345" r:id="rId17"/>
-    <p:sldId id="314" r:id="rId18"/>
-    <p:sldId id="337" r:id="rId19"/>
-    <p:sldId id="336" r:id="rId20"/>
-    <p:sldId id="338" r:id="rId21"/>
-    <p:sldId id="339" r:id="rId22"/>
-    <p:sldId id="347" r:id="rId23"/>
+    <p:sldId id="348" r:id="rId5"/>
+    <p:sldId id="326" r:id="rId6"/>
+    <p:sldId id="340" r:id="rId7"/>
+    <p:sldId id="291" r:id="rId8"/>
+    <p:sldId id="341" r:id="rId9"/>
+    <p:sldId id="312" r:id="rId10"/>
+    <p:sldId id="342" r:id="rId11"/>
+    <p:sldId id="327" r:id="rId12"/>
+    <p:sldId id="343" r:id="rId13"/>
+    <p:sldId id="328" r:id="rId14"/>
+    <p:sldId id="346" r:id="rId15"/>
+    <p:sldId id="344" r:id="rId16"/>
+    <p:sldId id="311" r:id="rId17"/>
+    <p:sldId id="345" r:id="rId18"/>
+    <p:sldId id="314" r:id="rId19"/>
+    <p:sldId id="337" r:id="rId20"/>
+    <p:sldId id="336" r:id="rId21"/>
+    <p:sldId id="338" r:id="rId22"/>
+    <p:sldId id="339" r:id="rId23"/>
+    <p:sldId id="347" r:id="rId24"/>
   </p:sldIdLst>
   <p:sldSz cx="12192000" cy="6858000"/>
   <p:notesSz cx="6858000" cy="9144000"/>
@@ -282,7 +283,7 @@
           <a:p>
             <a:fld id="{FF78F56B-BDF6-EF47-AAE0-2E81F2FBAFDF}" type="datetimeFigureOut">
               <a:rPr lang="en-CH" smtClean="0"/>
-              <a:t>11.01.2024</a:t>
+              <a:t>14.01.2024</a:t>
             </a:fld>
             <a:endParaRPr lang="en-CH"/>
           </a:p>
@@ -482,7 +483,7 @@
           <a:p>
             <a:fld id="{FF78F56B-BDF6-EF47-AAE0-2E81F2FBAFDF}" type="datetimeFigureOut">
               <a:rPr lang="en-CH" smtClean="0"/>
-              <a:t>11.01.2024</a:t>
+              <a:t>14.01.2024</a:t>
             </a:fld>
             <a:endParaRPr lang="en-CH"/>
           </a:p>
@@ -692,7 +693,7 @@
           <a:p>
             <a:fld id="{FF78F56B-BDF6-EF47-AAE0-2E81F2FBAFDF}" type="datetimeFigureOut">
               <a:rPr lang="en-CH" smtClean="0"/>
-              <a:t>11.01.2024</a:t>
+              <a:t>14.01.2024</a:t>
             </a:fld>
             <a:endParaRPr lang="en-CH"/>
           </a:p>
@@ -892,7 +893,7 @@
           <a:p>
             <a:fld id="{FF78F56B-BDF6-EF47-AAE0-2E81F2FBAFDF}" type="datetimeFigureOut">
               <a:rPr lang="en-CH" smtClean="0"/>
-              <a:t>11.01.2024</a:t>
+              <a:t>14.01.2024</a:t>
             </a:fld>
             <a:endParaRPr lang="en-CH"/>
           </a:p>
@@ -1168,7 +1169,7 @@
           <a:p>
             <a:fld id="{FF78F56B-BDF6-EF47-AAE0-2E81F2FBAFDF}" type="datetimeFigureOut">
               <a:rPr lang="en-CH" smtClean="0"/>
-              <a:t>11.01.2024</a:t>
+              <a:t>14.01.2024</a:t>
             </a:fld>
             <a:endParaRPr lang="en-CH"/>
           </a:p>
@@ -1436,7 +1437,7 @@
           <a:p>
             <a:fld id="{FF78F56B-BDF6-EF47-AAE0-2E81F2FBAFDF}" type="datetimeFigureOut">
               <a:rPr lang="en-CH" smtClean="0"/>
-              <a:t>11.01.2024</a:t>
+              <a:t>14.01.2024</a:t>
             </a:fld>
             <a:endParaRPr lang="en-CH"/>
           </a:p>
@@ -1851,7 +1852,7 @@
           <a:p>
             <a:fld id="{FF78F56B-BDF6-EF47-AAE0-2E81F2FBAFDF}" type="datetimeFigureOut">
               <a:rPr lang="en-CH" smtClean="0"/>
-              <a:t>11.01.2024</a:t>
+              <a:t>14.01.2024</a:t>
             </a:fld>
             <a:endParaRPr lang="en-CH"/>
           </a:p>
@@ -1993,7 +1994,7 @@
           <a:p>
             <a:fld id="{FF78F56B-BDF6-EF47-AAE0-2E81F2FBAFDF}" type="datetimeFigureOut">
               <a:rPr lang="en-CH" smtClean="0"/>
-              <a:t>11.01.2024</a:t>
+              <a:t>14.01.2024</a:t>
             </a:fld>
             <a:endParaRPr lang="en-CH"/>
           </a:p>
@@ -2106,7 +2107,7 @@
           <a:p>
             <a:fld id="{FF78F56B-BDF6-EF47-AAE0-2E81F2FBAFDF}" type="datetimeFigureOut">
               <a:rPr lang="en-CH" smtClean="0"/>
-              <a:t>11.01.2024</a:t>
+              <a:t>14.01.2024</a:t>
             </a:fld>
             <a:endParaRPr lang="en-CH"/>
           </a:p>
@@ -2419,7 +2420,7 @@
           <a:p>
             <a:fld id="{FF78F56B-BDF6-EF47-AAE0-2E81F2FBAFDF}" type="datetimeFigureOut">
               <a:rPr lang="en-CH" smtClean="0"/>
-              <a:t>11.01.2024</a:t>
+              <a:t>14.01.2024</a:t>
             </a:fld>
             <a:endParaRPr lang="en-CH"/>
           </a:p>
@@ -2708,7 +2709,7 @@
           <a:p>
             <a:fld id="{FF78F56B-BDF6-EF47-AAE0-2E81F2FBAFDF}" type="datetimeFigureOut">
               <a:rPr lang="en-CH" smtClean="0"/>
-              <a:t>11.01.2024</a:t>
+              <a:t>14.01.2024</a:t>
             </a:fld>
             <a:endParaRPr lang="en-CH"/>
           </a:p>
@@ -2953,7 +2954,7 @@
             <a:fld id="{FF78F56B-BDF6-EF47-AAE0-2E81F2FBAFDF}" type="datetimeFigureOut">
               <a:rPr lang="en-CH" smtClean="0"/>
               <a:pPr/>
-              <a:t>11.01.2024</a:t>
+              <a:t>14.01.2024</a:t>
             </a:fld>
             <a:endParaRPr lang="en-CH" dirty="0"/>
           </a:p>
@@ -3461,6 +3462,952 @@
 </file>
 
 <file path=ppt/slides/slide10.xml><?xml version="1.0" encoding="utf-8"?>
+<p:sld xmlns:a="http://schemas.openxmlformats.org/drawingml/2006/main" xmlns:r="http://schemas.openxmlformats.org/officeDocument/2006/relationships" xmlns:p="http://schemas.openxmlformats.org/presentationml/2006/main">
+  <p:cSld>
+    <p:spTree>
+      <p:nvGrpSpPr>
+        <p:cNvPr id="1" name=""/>
+        <p:cNvGrpSpPr/>
+        <p:nvPr/>
+      </p:nvGrpSpPr>
+      <p:grpSpPr>
+        <a:xfrm>
+          <a:off x="0" y="0"/>
+          <a:ext cx="0" cy="0"/>
+          <a:chOff x="0" y="0"/>
+          <a:chExt cx="0" cy="0"/>
+        </a:xfrm>
+      </p:grpSpPr>
+      <p:sp>
+        <p:nvSpPr>
+          <p:cNvPr id="3" name="Rectangle 2">
+            <a:extLst>
+              <a:ext uri="{FF2B5EF4-FFF2-40B4-BE49-F238E27FC236}">
+                <a16:creationId xmlns:a16="http://schemas.microsoft.com/office/drawing/2014/main" id="{A855C0C3-9A52-FA6D-3549-7E417AAA05D0}"/>
+              </a:ext>
+            </a:extLst>
+          </p:cNvPr>
+          <p:cNvSpPr/>
+          <p:nvPr/>
+        </p:nvSpPr>
+        <p:spPr>
+          <a:xfrm>
+            <a:off x="838198" y="3565804"/>
+            <a:ext cx="2077017" cy="462990"/>
+          </a:xfrm>
+          <a:prstGeom prst="rect">
+            <a:avLst/>
+          </a:prstGeom>
+        </p:spPr>
+        <p:style>
+          <a:lnRef idx="1">
+            <a:schemeClr val="accent4"/>
+          </a:lnRef>
+          <a:fillRef idx="2">
+            <a:schemeClr val="accent4"/>
+          </a:fillRef>
+          <a:effectRef idx="1">
+            <a:schemeClr val="accent4"/>
+          </a:effectRef>
+          <a:fontRef idx="minor">
+            <a:schemeClr val="dk1"/>
+          </a:fontRef>
+        </p:style>
+        <p:txBody>
+          <a:bodyPr rtlCol="0" anchor="ctr"/>
+          <a:lstStyle/>
+          <a:p>
+            <a:pPr algn="ctr"/>
+            <a:endParaRPr lang="en-CH"/>
+          </a:p>
+        </p:txBody>
+      </p:sp>
+      <p:graphicFrame>
+        <p:nvGraphicFramePr>
+          <p:cNvPr id="4" name="Table 4">
+            <a:extLst>
+              <a:ext uri="{FF2B5EF4-FFF2-40B4-BE49-F238E27FC236}">
+                <a16:creationId xmlns:a16="http://schemas.microsoft.com/office/drawing/2014/main" id="{49A1378C-14D0-6C42-A879-F2F221EA5CE2}"/>
+              </a:ext>
+            </a:extLst>
+          </p:cNvPr>
+          <p:cNvGraphicFramePr>
+            <a:graphicFrameLocks noGrp="1"/>
+          </p:cNvGraphicFramePr>
+          <p:nvPr>
+            <p:ph idx="1"/>
+            <p:extLst>
+              <p:ext uri="{D42A27DB-BD31-4B8C-83A1-F6EECF244321}">
+                <p14:modId xmlns:p14="http://schemas.microsoft.com/office/powerpoint/2010/main" val="2112548806"/>
+              </p:ext>
+            </p:extLst>
+          </p:nvPr>
+        </p:nvGraphicFramePr>
+        <p:xfrm>
+          <a:off x="838200" y="1825625"/>
+          <a:ext cx="10515600" cy="3571240"/>
+        </p:xfrm>
+        <a:graphic>
+          <a:graphicData uri="http://schemas.openxmlformats.org/drawingml/2006/table">
+            <a:tbl>
+              <a:tblPr firstRow="1" bandRow="1">
+                <a:tableStyleId>{9D7B26C5-4107-4FEC-AEDC-1716B250A1EF}</a:tableStyleId>
+              </a:tblPr>
+              <a:tblGrid>
+                <a:gridCol w="2628900">
+                  <a:extLst>
+                    <a:ext uri="{9D8B030D-6E8A-4147-A177-3AD203B41FA5}">
+                      <a16:colId xmlns:a16="http://schemas.microsoft.com/office/drawing/2014/main" val="3243569652"/>
+                    </a:ext>
+                  </a:extLst>
+                </a:gridCol>
+                <a:gridCol w="2424414">
+                  <a:extLst>
+                    <a:ext uri="{9D8B030D-6E8A-4147-A177-3AD203B41FA5}">
+                      <a16:colId xmlns:a16="http://schemas.microsoft.com/office/drawing/2014/main" val="1546646484"/>
+                    </a:ext>
+                  </a:extLst>
+                </a:gridCol>
+                <a:gridCol w="2833386">
+                  <a:extLst>
+                    <a:ext uri="{9D8B030D-6E8A-4147-A177-3AD203B41FA5}">
+                      <a16:colId xmlns:a16="http://schemas.microsoft.com/office/drawing/2014/main" val="2926770897"/>
+                    </a:ext>
+                  </a:extLst>
+                </a:gridCol>
+                <a:gridCol w="2628900">
+                  <a:extLst>
+                    <a:ext uri="{9D8B030D-6E8A-4147-A177-3AD203B41FA5}">
+                      <a16:colId xmlns:a16="http://schemas.microsoft.com/office/drawing/2014/main" val="2676612467"/>
+                    </a:ext>
+                  </a:extLst>
+                </a:gridCol>
+              </a:tblGrid>
+              <a:tr h="370840">
+                <a:tc>
+                  <a:txBody>
+                    <a:bodyPr/>
+                    <a:lstStyle/>
+                    <a:p>
+                      <a:r>
+                        <a:rPr lang="en-CH">
+                          <a:latin typeface="Franklin Gothic Book" panose="020B0503020102020204" pitchFamily="34" charset="0"/>
+                        </a:rPr>
+                        <a:t>Metric</a:t>
+                      </a:r>
+                    </a:p>
+                  </a:txBody>
+                  <a:tcPr/>
+                </a:tc>
+                <a:tc>
+                  <a:txBody>
+                    <a:bodyPr/>
+                    <a:lstStyle/>
+                    <a:p>
+                      <a:r>
+                        <a:rPr lang="en-GB" dirty="0">
+                          <a:latin typeface="Franklin Gothic Book" panose="020B0503020102020204" pitchFamily="34" charset="0"/>
+                        </a:rPr>
+                        <a:t>Discussed Today</a:t>
+                      </a:r>
+                      <a:endParaRPr lang="en-CH" dirty="0">
+                        <a:latin typeface="Franklin Gothic Book" panose="020B0503020102020204" pitchFamily="34" charset="0"/>
+                      </a:endParaRPr>
+                    </a:p>
+                  </a:txBody>
+                  <a:tcPr/>
+                </a:tc>
+                <a:tc>
+                  <a:txBody>
+                    <a:bodyPr/>
+                    <a:lstStyle/>
+                    <a:p>
+                      <a:r>
+                        <a:rPr lang="en-CH">
+                          <a:latin typeface="Franklin Gothic Book" panose="020B0503020102020204" pitchFamily="34" charset="0"/>
+                        </a:rPr>
+                        <a:t>Metric</a:t>
+                      </a:r>
+                    </a:p>
+                  </a:txBody>
+                  <a:tcPr/>
+                </a:tc>
+                <a:tc>
+                  <a:txBody>
+                    <a:bodyPr/>
+                    <a:lstStyle/>
+                    <a:p>
+                      <a:pPr marL="0" marR="0" lvl="0" indent="0" algn="l" defTabSz="914400" rtl="0" eaLnBrk="1" fontAlgn="auto" latinLnBrk="0" hangingPunct="1">
+                        <a:lnSpc>
+                          <a:spcPct val="100000"/>
+                        </a:lnSpc>
+                        <a:spcBef>
+                          <a:spcPts val="0"/>
+                        </a:spcBef>
+                        <a:spcAft>
+                          <a:spcPts val="0"/>
+                        </a:spcAft>
+                        <a:buClrTx/>
+                        <a:buSzTx/>
+                        <a:buFontTx/>
+                        <a:buNone/>
+                        <a:tabLst/>
+                        <a:defRPr/>
+                      </a:pPr>
+                      <a:r>
+                        <a:rPr lang="en-GB" dirty="0">
+                          <a:latin typeface="Franklin Gothic Book" panose="020B0503020102020204" pitchFamily="34" charset="0"/>
+                        </a:rPr>
+                        <a:t>Discussed Today</a:t>
+                      </a:r>
+                      <a:endParaRPr lang="en-CH" dirty="0">
+                        <a:latin typeface="Franklin Gothic Book" panose="020B0503020102020204" pitchFamily="34" charset="0"/>
+                      </a:endParaRPr>
+                    </a:p>
+                  </a:txBody>
+                  <a:tcPr/>
+                </a:tc>
+                <a:extLst>
+                  <a:ext uri="{0D108BD9-81ED-4DB2-BD59-A6C34878D82A}">
+                    <a16:rowId xmlns:a16="http://schemas.microsoft.com/office/drawing/2014/main" val="1303884240"/>
+                  </a:ext>
+                </a:extLst>
+              </a:tr>
+              <a:tr h="370840">
+                <a:tc>
+                  <a:txBody>
+                    <a:bodyPr/>
+                    <a:lstStyle/>
+                    <a:p>
+                      <a:r>
+                        <a:rPr lang="en-CH" dirty="0">
+                          <a:latin typeface="Franklin Gothic Book" panose="020B0503020102020204" pitchFamily="34" charset="0"/>
+                        </a:rPr>
+                        <a:t>Accuracy</a:t>
+                      </a:r>
+                    </a:p>
+                  </a:txBody>
+                  <a:tcPr anchor="ctr"/>
+                </a:tc>
+                <a:tc>
+                  <a:txBody>
+                    <a:bodyPr/>
+                    <a:lstStyle/>
+                    <a:p>
+                      <a:r>
+                        <a:rPr lang="de-CH" sz="2400">
+                          <a:latin typeface="Wingdings" pitchFamily="2" charset="2"/>
+                        </a:rPr>
+                        <a:t>ü</a:t>
+                      </a:r>
+                      <a:endParaRPr lang="en-CH">
+                        <a:latin typeface="Wingdings" pitchFamily="2" charset="2"/>
+                      </a:endParaRPr>
+                    </a:p>
+                  </a:txBody>
+                  <a:tcPr/>
+                </a:tc>
+                <a:tc>
+                  <a:txBody>
+                    <a:bodyPr/>
+                    <a:lstStyle/>
+                    <a:p>
+                      <a:r>
+                        <a:rPr lang="en-CH">
+                          <a:latin typeface="Franklin Gothic Book" panose="020B0503020102020204" pitchFamily="34" charset="0"/>
+                        </a:rPr>
+                        <a:t>Accuracy</a:t>
+                      </a:r>
+                    </a:p>
+                  </a:txBody>
+                  <a:tcPr/>
+                </a:tc>
+                <a:tc>
+                  <a:txBody>
+                    <a:bodyPr/>
+                    <a:lstStyle/>
+                    <a:p>
+                      <a:pPr marL="0" marR="0" lvl="0" indent="0" algn="l" defTabSz="914400" rtl="0" eaLnBrk="1" fontAlgn="auto" latinLnBrk="0" hangingPunct="1">
+                        <a:lnSpc>
+                          <a:spcPct val="100000"/>
+                        </a:lnSpc>
+                        <a:spcBef>
+                          <a:spcPts val="0"/>
+                        </a:spcBef>
+                        <a:spcAft>
+                          <a:spcPts val="0"/>
+                        </a:spcAft>
+                        <a:buClrTx/>
+                        <a:buSzTx/>
+                        <a:buFontTx/>
+                        <a:buNone/>
+                        <a:tabLst/>
+                        <a:defRPr/>
+                      </a:pPr>
+                      <a:r>
+                        <a:rPr lang="de-CH" sz="2400">
+                          <a:latin typeface="Wingdings" pitchFamily="2" charset="2"/>
+                        </a:rPr>
+                        <a:t>ü</a:t>
+                      </a:r>
+                      <a:endParaRPr lang="en-CH" sz="1800"/>
+                    </a:p>
+                  </a:txBody>
+                  <a:tcPr/>
+                </a:tc>
+                <a:extLst>
+                  <a:ext uri="{0D108BD9-81ED-4DB2-BD59-A6C34878D82A}">
+                    <a16:rowId xmlns:a16="http://schemas.microsoft.com/office/drawing/2014/main" val="3274176856"/>
+                  </a:ext>
+                </a:extLst>
+              </a:tr>
+              <a:tr h="370840">
+                <a:tc>
+                  <a:txBody>
+                    <a:bodyPr/>
+                    <a:lstStyle/>
+                    <a:p>
+                      <a:r>
+                        <a:rPr lang="en-CH" dirty="0">
+                          <a:latin typeface="Franklin Gothic Book" panose="020B0503020102020204" pitchFamily="34" charset="0"/>
+                        </a:rPr>
+                        <a:t>Specificity</a:t>
+                      </a:r>
+                    </a:p>
+                  </a:txBody>
+                  <a:tcPr anchor="ctr"/>
+                </a:tc>
+                <a:tc>
+                  <a:txBody>
+                    <a:bodyPr/>
+                    <a:lstStyle/>
+                    <a:p>
+                      <a:r>
+                        <a:rPr lang="de-CH" sz="2400">
+                          <a:latin typeface="Wingdings" pitchFamily="2" charset="2"/>
+                        </a:rPr>
+                        <a:t>ü</a:t>
+                      </a:r>
+                      <a:endParaRPr lang="en-CH" sz="2400"/>
+                    </a:p>
+                  </a:txBody>
+                  <a:tcPr/>
+                </a:tc>
+                <a:tc>
+                  <a:txBody>
+                    <a:bodyPr/>
+                    <a:lstStyle/>
+                    <a:p>
+                      <a:r>
+                        <a:rPr lang="en-CH">
+                          <a:latin typeface="Franklin Gothic Book" panose="020B0503020102020204" pitchFamily="34" charset="0"/>
+                        </a:rPr>
+                        <a:t>Accuracy pro class</a:t>
+                      </a:r>
+                    </a:p>
+                  </a:txBody>
+                  <a:tcPr/>
+                </a:tc>
+                <a:tc>
+                  <a:txBody>
+                    <a:bodyPr/>
+                    <a:lstStyle/>
+                    <a:p>
+                      <a:endParaRPr lang="en-CH"/>
+                    </a:p>
+                  </a:txBody>
+                  <a:tcPr/>
+                </a:tc>
+                <a:extLst>
+                  <a:ext uri="{0D108BD9-81ED-4DB2-BD59-A6C34878D82A}">
+                    <a16:rowId xmlns:a16="http://schemas.microsoft.com/office/drawing/2014/main" val="755561542"/>
+                  </a:ext>
+                </a:extLst>
+              </a:tr>
+              <a:tr h="370840">
+                <a:tc>
+                  <a:txBody>
+                    <a:bodyPr/>
+                    <a:lstStyle/>
+                    <a:p>
+                      <a:r>
+                        <a:rPr lang="en-CH" dirty="0">
+                          <a:latin typeface="Franklin Gothic Book" panose="020B0503020102020204" pitchFamily="34" charset="0"/>
+                        </a:rPr>
+                        <a:t>Sensitivity</a:t>
+                      </a:r>
+                    </a:p>
+                  </a:txBody>
+                  <a:tcPr anchor="ctr"/>
+                </a:tc>
+                <a:tc>
+                  <a:txBody>
+                    <a:bodyPr/>
+                    <a:lstStyle/>
+                    <a:p>
+                      <a:r>
+                        <a:rPr lang="de-CH" sz="2400">
+                          <a:latin typeface="Wingdings" pitchFamily="2" charset="2"/>
+                        </a:rPr>
+                        <a:t>ü</a:t>
+                      </a:r>
+                      <a:endParaRPr lang="en-CH" sz="2400"/>
+                    </a:p>
+                  </a:txBody>
+                  <a:tcPr/>
+                </a:tc>
+                <a:tc>
+                  <a:txBody>
+                    <a:bodyPr/>
+                    <a:lstStyle/>
+                    <a:p>
+                      <a:endParaRPr lang="en-CH">
+                        <a:latin typeface="Franklin Gothic Book" panose="020B0503020102020204" pitchFamily="34" charset="0"/>
+                      </a:endParaRPr>
+                    </a:p>
+                  </a:txBody>
+                  <a:tcPr/>
+                </a:tc>
+                <a:tc>
+                  <a:txBody>
+                    <a:bodyPr/>
+                    <a:lstStyle/>
+                    <a:p>
+                      <a:endParaRPr lang="en-CH"/>
+                    </a:p>
+                  </a:txBody>
+                  <a:tcPr/>
+                </a:tc>
+                <a:extLst>
+                  <a:ext uri="{0D108BD9-81ED-4DB2-BD59-A6C34878D82A}">
+                    <a16:rowId xmlns:a16="http://schemas.microsoft.com/office/drawing/2014/main" val="199157822"/>
+                  </a:ext>
+                </a:extLst>
+              </a:tr>
+              <a:tr h="370840">
+                <a:tc>
+                  <a:txBody>
+                    <a:bodyPr/>
+                    <a:lstStyle/>
+                    <a:p>
+                      <a:r>
+                        <a:rPr lang="en-CH" dirty="0">
+                          <a:latin typeface="Franklin Gothic Book" panose="020B0503020102020204" pitchFamily="34" charset="0"/>
+                        </a:rPr>
+                        <a:t>Balanced Accuracy</a:t>
+                      </a:r>
+                    </a:p>
+                  </a:txBody>
+                  <a:tcPr anchor="ctr"/>
+                </a:tc>
+                <a:tc>
+                  <a:txBody>
+                    <a:bodyPr/>
+                    <a:lstStyle/>
+                    <a:p>
+                      <a:r>
+                        <a:rPr lang="de-CH" sz="2400">
+                          <a:latin typeface="Wingdings" pitchFamily="2" charset="2"/>
+                        </a:rPr>
+                        <a:t>ü</a:t>
+                      </a:r>
+                      <a:endParaRPr lang="en-CH" sz="2400"/>
+                    </a:p>
+                  </a:txBody>
+                  <a:tcPr/>
+                </a:tc>
+                <a:tc>
+                  <a:txBody>
+                    <a:bodyPr/>
+                    <a:lstStyle/>
+                    <a:p>
+                      <a:endParaRPr lang="en-CH">
+                        <a:latin typeface="Franklin Gothic Book" panose="020B0503020102020204" pitchFamily="34" charset="0"/>
+                      </a:endParaRPr>
+                    </a:p>
+                  </a:txBody>
+                  <a:tcPr/>
+                </a:tc>
+                <a:tc>
+                  <a:txBody>
+                    <a:bodyPr/>
+                    <a:lstStyle/>
+                    <a:p>
+                      <a:endParaRPr lang="en-CH"/>
+                    </a:p>
+                  </a:txBody>
+                  <a:tcPr/>
+                </a:tc>
+                <a:extLst>
+                  <a:ext uri="{0D108BD9-81ED-4DB2-BD59-A6C34878D82A}">
+                    <a16:rowId xmlns:a16="http://schemas.microsoft.com/office/drawing/2014/main" val="3717749055"/>
+                  </a:ext>
+                </a:extLst>
+              </a:tr>
+              <a:tr h="370840">
+                <a:tc>
+                  <a:txBody>
+                    <a:bodyPr/>
+                    <a:lstStyle/>
+                    <a:p>
+                      <a:r>
+                        <a:rPr lang="en-CH">
+                          <a:latin typeface="Franklin Gothic Book" panose="020B0503020102020204" pitchFamily="34" charset="0"/>
+                        </a:rPr>
+                        <a:t>F1 Score</a:t>
+                      </a:r>
+                    </a:p>
+                  </a:txBody>
+                  <a:tcPr anchor="ctr"/>
+                </a:tc>
+                <a:tc>
+                  <a:txBody>
+                    <a:bodyPr/>
+                    <a:lstStyle/>
+                    <a:p>
+                      <a:r>
+                        <a:rPr lang="de-CH" sz="2400">
+                          <a:latin typeface="Wingdings" pitchFamily="2" charset="2"/>
+                        </a:rPr>
+                        <a:t>ü</a:t>
+                      </a:r>
+                      <a:endParaRPr lang="en-CH" sz="2400"/>
+                    </a:p>
+                  </a:txBody>
+                  <a:tcPr/>
+                </a:tc>
+                <a:tc>
+                  <a:txBody>
+                    <a:bodyPr/>
+                    <a:lstStyle/>
+                    <a:p>
+                      <a:endParaRPr lang="en-CH">
+                        <a:latin typeface="Franklin Gothic Book" panose="020B0503020102020204" pitchFamily="34" charset="0"/>
+                      </a:endParaRPr>
+                    </a:p>
+                  </a:txBody>
+                  <a:tcPr/>
+                </a:tc>
+                <a:tc>
+                  <a:txBody>
+                    <a:bodyPr/>
+                    <a:lstStyle/>
+                    <a:p>
+                      <a:endParaRPr lang="en-CH"/>
+                    </a:p>
+                  </a:txBody>
+                  <a:tcPr/>
+                </a:tc>
+                <a:extLst>
+                  <a:ext uri="{0D108BD9-81ED-4DB2-BD59-A6C34878D82A}">
+                    <a16:rowId xmlns:a16="http://schemas.microsoft.com/office/drawing/2014/main" val="1853141256"/>
+                  </a:ext>
+                </a:extLst>
+              </a:tr>
+              <a:tr h="370840">
+                <a:tc>
+                  <a:txBody>
+                    <a:bodyPr/>
+                    <a:lstStyle/>
+                    <a:p>
+                      <a:r>
+                        <a:rPr lang="en-CH">
+                          <a:latin typeface="Franklin Gothic Book" panose="020B0503020102020204" pitchFamily="34" charset="0"/>
+                        </a:rPr>
+                        <a:t>Area Under The Curve (AUC / Receiving Operating Curve)</a:t>
+                      </a:r>
+                    </a:p>
+                  </a:txBody>
+                  <a:tcPr anchor="ctr"/>
+                </a:tc>
+                <a:tc>
+                  <a:txBody>
+                    <a:bodyPr/>
+                    <a:lstStyle/>
+                    <a:p>
+                      <a:pPr marL="0" marR="0" lvl="0" indent="0" algn="l" defTabSz="914400" rtl="0" eaLnBrk="1" fontAlgn="auto" latinLnBrk="0" hangingPunct="1">
+                        <a:lnSpc>
+                          <a:spcPct val="100000"/>
+                        </a:lnSpc>
+                        <a:spcBef>
+                          <a:spcPts val="0"/>
+                        </a:spcBef>
+                        <a:spcAft>
+                          <a:spcPts val="0"/>
+                        </a:spcAft>
+                        <a:buClrTx/>
+                        <a:buSzTx/>
+                        <a:buFontTx/>
+                        <a:buNone/>
+                        <a:tabLst/>
+                        <a:defRPr/>
+                      </a:pPr>
+                      <a:r>
+                        <a:rPr kumimoji="0" lang="de-CH" sz="2400" b="0" i="0" u="none" strike="noStrike" kern="1200" cap="none" spc="0" normalizeH="0" baseline="0" noProof="0">
+                          <a:ln>
+                            <a:noFill/>
+                          </a:ln>
+                          <a:solidFill>
+                            <a:prstClr val="black"/>
+                          </a:solidFill>
+                          <a:effectLst/>
+                          <a:uLnTx/>
+                          <a:uFillTx/>
+                          <a:latin typeface="Wingdings" pitchFamily="2" charset="2"/>
+                          <a:ea typeface="+mn-ea"/>
+                          <a:cs typeface="+mn-cs"/>
+                        </a:rPr>
+                        <a:t>ü</a:t>
+                      </a:r>
+                      <a:endParaRPr kumimoji="0" lang="en-CH" sz="2400" b="0" i="0" u="none" strike="noStrike" kern="1200" cap="none" spc="0" normalizeH="0" baseline="0" noProof="0">
+                        <a:ln>
+                          <a:noFill/>
+                        </a:ln>
+                        <a:solidFill>
+                          <a:prstClr val="black"/>
+                        </a:solidFill>
+                        <a:effectLst/>
+                        <a:uLnTx/>
+                        <a:uFillTx/>
+                        <a:latin typeface="+mn-lt"/>
+                        <a:ea typeface="+mn-ea"/>
+                        <a:cs typeface="+mn-cs"/>
+                      </a:endParaRPr>
+                    </a:p>
+                    <a:p>
+                      <a:endParaRPr lang="en-CH"/>
+                    </a:p>
+                  </a:txBody>
+                  <a:tcPr/>
+                </a:tc>
+                <a:tc>
+                  <a:txBody>
+                    <a:bodyPr/>
+                    <a:lstStyle/>
+                    <a:p>
+                      <a:endParaRPr lang="en-CH">
+                        <a:latin typeface="Franklin Gothic Book" panose="020B0503020102020204" pitchFamily="34" charset="0"/>
+                      </a:endParaRPr>
+                    </a:p>
+                  </a:txBody>
+                  <a:tcPr/>
+                </a:tc>
+                <a:tc>
+                  <a:txBody>
+                    <a:bodyPr/>
+                    <a:lstStyle/>
+                    <a:p>
+                      <a:endParaRPr lang="en-CH" dirty="0"/>
+                    </a:p>
+                  </a:txBody>
+                  <a:tcPr/>
+                </a:tc>
+                <a:extLst>
+                  <a:ext uri="{0D108BD9-81ED-4DB2-BD59-A6C34878D82A}">
+                    <a16:rowId xmlns:a16="http://schemas.microsoft.com/office/drawing/2014/main" val="2198511388"/>
+                  </a:ext>
+                </a:extLst>
+              </a:tr>
+            </a:tbl>
+          </a:graphicData>
+        </a:graphic>
+      </p:graphicFrame>
+      <p:sp>
+        <p:nvSpPr>
+          <p:cNvPr id="2" name="Title 1">
+            <a:extLst>
+              <a:ext uri="{FF2B5EF4-FFF2-40B4-BE49-F238E27FC236}">
+                <a16:creationId xmlns:a16="http://schemas.microsoft.com/office/drawing/2014/main" id="{FF4E9BC2-F659-3642-870D-03C6BE22BC2A}"/>
+              </a:ext>
+            </a:extLst>
+          </p:cNvPr>
+          <p:cNvSpPr>
+            <a:spLocks noGrp="1"/>
+          </p:cNvSpPr>
+          <p:nvPr>
+            <p:ph type="title"/>
+          </p:nvPr>
+        </p:nvSpPr>
+        <p:spPr>
+          <a:xfrm>
+            <a:off x="838200" y="122057"/>
+            <a:ext cx="10515600" cy="641872"/>
+          </a:xfrm>
+        </p:spPr>
+        <p:txBody>
+          <a:bodyPr>
+            <a:normAutofit fontScale="90000"/>
+          </a:bodyPr>
+          <a:lstStyle/>
+          <a:p>
+            <a:r>
+              <a:rPr lang="en-CH"/>
+              <a:t>Metrics - Overview</a:t>
+            </a:r>
+          </a:p>
+        </p:txBody>
+      </p:sp>
+      <p:sp>
+        <p:nvSpPr>
+          <p:cNvPr id="5" name="TextBox 4">
+            <a:extLst>
+              <a:ext uri="{FF2B5EF4-FFF2-40B4-BE49-F238E27FC236}">
+                <a16:creationId xmlns:a16="http://schemas.microsoft.com/office/drawing/2014/main" id="{D9DEC118-EFEA-A841-937A-E81D9DE3CB4C}"/>
+              </a:ext>
+            </a:extLst>
+          </p:cNvPr>
+          <p:cNvSpPr txBox="1"/>
+          <p:nvPr/>
+        </p:nvSpPr>
+        <p:spPr>
+          <a:xfrm>
+            <a:off x="838199" y="5868365"/>
+            <a:ext cx="10690185" cy="461665"/>
+          </a:xfrm>
+          <a:prstGeom prst="rect">
+            <a:avLst/>
+          </a:prstGeom>
+          <a:noFill/>
+        </p:spPr>
+        <p:txBody>
+          <a:bodyPr wrap="square" rtlCol="0">
+            <a:spAutoFit/>
+          </a:bodyPr>
+          <a:lstStyle/>
+          <a:p>
+            <a:r>
+              <a:rPr lang="de-CH" sz="2400">
+                <a:latin typeface="Wingdings" pitchFamily="2" charset="2"/>
+              </a:rPr>
+              <a:t>ü </a:t>
+            </a:r>
+            <a:r>
+              <a:rPr lang="en-CH" sz="2400">
+                <a:latin typeface="Franklin Gothic Book" panose="020B0503020102020204" pitchFamily="34" charset="0"/>
+              </a:rPr>
+              <a:t>Confusion Matrix </a:t>
+            </a:r>
+            <a:r>
+              <a:rPr lang="en-CH" sz="2400">
+                <a:latin typeface="Franklin Gothic Book" panose="020B0503020102020204" pitchFamily="34" charset="0"/>
+                <a:sym typeface="Wingdings" pitchFamily="2" charset="2"/>
+              </a:rPr>
+              <a:t> </a:t>
+            </a:r>
+            <a:r>
+              <a:rPr lang="en-GB" sz="2400">
+                <a:latin typeface="Franklin Gothic Book" panose="020B0503020102020204" pitchFamily="34" charset="0"/>
+              </a:rPr>
+              <a:t>Not really a metric (it contains multiple numbers)</a:t>
+            </a:r>
+            <a:endParaRPr lang="en-CH" sz="2400">
+              <a:latin typeface="Franklin Gothic Book" panose="020B0503020102020204" pitchFamily="34" charset="0"/>
+            </a:endParaRPr>
+          </a:p>
+        </p:txBody>
+      </p:sp>
+      <p:sp>
+        <p:nvSpPr>
+          <p:cNvPr id="7" name="TextBox 6">
+            <a:extLst>
+              <a:ext uri="{FF2B5EF4-FFF2-40B4-BE49-F238E27FC236}">
+                <a16:creationId xmlns:a16="http://schemas.microsoft.com/office/drawing/2014/main" id="{2F911A68-9039-9747-9088-1C3CCC964114}"/>
+              </a:ext>
+            </a:extLst>
+          </p:cNvPr>
+          <p:cNvSpPr txBox="1"/>
+          <p:nvPr/>
+        </p:nvSpPr>
+        <p:spPr>
+          <a:xfrm>
+            <a:off x="2178449" y="894667"/>
+            <a:ext cx="3188826" cy="400110"/>
+          </a:xfrm>
+          <a:prstGeom prst="rect">
+            <a:avLst/>
+          </a:prstGeom>
+          <a:noFill/>
+        </p:spPr>
+        <p:txBody>
+          <a:bodyPr wrap="square">
+            <a:spAutoFit/>
+          </a:bodyPr>
+          <a:lstStyle/>
+          <a:p>
+            <a:r>
+              <a:rPr lang="en-CH" sz="2000">
+                <a:latin typeface="Franklin Gothic Book" panose="020B0503020102020204" pitchFamily="34" charset="0"/>
+              </a:rPr>
+              <a:t>Binary Classification</a:t>
+            </a:r>
+            <a:endParaRPr lang="en-CH" sz="2000"/>
+          </a:p>
+        </p:txBody>
+      </p:sp>
+      <p:sp>
+        <p:nvSpPr>
+          <p:cNvPr id="8" name="TextBox 7">
+            <a:extLst>
+              <a:ext uri="{FF2B5EF4-FFF2-40B4-BE49-F238E27FC236}">
+                <a16:creationId xmlns:a16="http://schemas.microsoft.com/office/drawing/2014/main" id="{EF874725-0BFF-3A45-94DA-E04D24EF96ED}"/>
+              </a:ext>
+            </a:extLst>
+          </p:cNvPr>
+          <p:cNvSpPr txBox="1"/>
+          <p:nvPr/>
+        </p:nvSpPr>
+        <p:spPr>
+          <a:xfrm>
+            <a:off x="7127591" y="894667"/>
+            <a:ext cx="3188826" cy="400110"/>
+          </a:xfrm>
+          <a:prstGeom prst="rect">
+            <a:avLst/>
+          </a:prstGeom>
+          <a:noFill/>
+        </p:spPr>
+        <p:txBody>
+          <a:bodyPr wrap="square">
+            <a:spAutoFit/>
+          </a:bodyPr>
+          <a:lstStyle/>
+          <a:p>
+            <a:r>
+              <a:rPr lang="en-CH" sz="2000">
+                <a:latin typeface="Franklin Gothic Book" panose="020B0503020102020204" pitchFamily="34" charset="0"/>
+              </a:rPr>
+              <a:t>Multi-class Classification</a:t>
+            </a:r>
+            <a:endParaRPr lang="en-CH" sz="2000"/>
+          </a:p>
+        </p:txBody>
+      </p:sp>
+      <p:sp>
+        <p:nvSpPr>
+          <p:cNvPr id="9" name="Left Brace 8">
+            <a:extLst>
+              <a:ext uri="{FF2B5EF4-FFF2-40B4-BE49-F238E27FC236}">
+                <a16:creationId xmlns:a16="http://schemas.microsoft.com/office/drawing/2014/main" id="{D12A2700-37A7-3446-8052-22DEFA860BF3}"/>
+              </a:ext>
+            </a:extLst>
+          </p:cNvPr>
+          <p:cNvSpPr/>
+          <p:nvPr/>
+        </p:nvSpPr>
+        <p:spPr>
+          <a:xfrm rot="5400000">
+            <a:off x="3081277" y="-948301"/>
+            <a:ext cx="462988" cy="4949142"/>
+          </a:xfrm>
+          <a:prstGeom prst="leftBrace">
+            <a:avLst>
+              <a:gd name="adj1" fmla="val 35833"/>
+              <a:gd name="adj2" fmla="val 50000"/>
+            </a:avLst>
+          </a:prstGeom>
+          <a:ln w="38100">
+            <a:solidFill>
+              <a:schemeClr val="tx1"/>
+            </a:solidFill>
+          </a:ln>
+        </p:spPr>
+        <p:style>
+          <a:lnRef idx="1">
+            <a:schemeClr val="accent1"/>
+          </a:lnRef>
+          <a:fillRef idx="0">
+            <a:schemeClr val="accent1"/>
+          </a:fillRef>
+          <a:effectRef idx="0">
+            <a:schemeClr val="accent1"/>
+          </a:effectRef>
+          <a:fontRef idx="minor">
+            <a:schemeClr val="tx1"/>
+          </a:fontRef>
+        </p:style>
+        <p:txBody>
+          <a:bodyPr rtlCol="0" anchor="ctr"/>
+          <a:lstStyle/>
+          <a:p>
+            <a:pPr algn="ctr"/>
+            <a:endParaRPr lang="en-CH"/>
+          </a:p>
+        </p:txBody>
+      </p:sp>
+      <p:sp>
+        <p:nvSpPr>
+          <p:cNvPr id="10" name="Left Brace 9">
+            <a:extLst>
+              <a:ext uri="{FF2B5EF4-FFF2-40B4-BE49-F238E27FC236}">
+                <a16:creationId xmlns:a16="http://schemas.microsoft.com/office/drawing/2014/main" id="{AB745382-6067-9342-A739-A1545ECDD5B7}"/>
+              </a:ext>
+            </a:extLst>
+          </p:cNvPr>
+          <p:cNvSpPr/>
+          <p:nvPr/>
+        </p:nvSpPr>
+        <p:spPr>
+          <a:xfrm rot="5400000">
+            <a:off x="8406113" y="-1189922"/>
+            <a:ext cx="462988" cy="5432385"/>
+          </a:xfrm>
+          <a:prstGeom prst="leftBrace">
+            <a:avLst>
+              <a:gd name="adj1" fmla="val 35833"/>
+              <a:gd name="adj2" fmla="val 50000"/>
+            </a:avLst>
+          </a:prstGeom>
+          <a:ln w="38100">
+            <a:solidFill>
+              <a:schemeClr val="tx1"/>
+            </a:solidFill>
+          </a:ln>
+        </p:spPr>
+        <p:style>
+          <a:lnRef idx="1">
+            <a:schemeClr val="accent1"/>
+          </a:lnRef>
+          <a:fillRef idx="0">
+            <a:schemeClr val="accent1"/>
+          </a:fillRef>
+          <a:effectRef idx="0">
+            <a:schemeClr val="accent1"/>
+          </a:effectRef>
+          <a:fontRef idx="minor">
+            <a:schemeClr val="tx1"/>
+          </a:fontRef>
+        </p:style>
+        <p:txBody>
+          <a:bodyPr rtlCol="0" anchor="ctr"/>
+          <a:lstStyle/>
+          <a:p>
+            <a:pPr algn="ctr"/>
+            <a:endParaRPr lang="en-CH"/>
+          </a:p>
+        </p:txBody>
+      </p:sp>
+    </p:spTree>
+    <p:extLst>
+      <p:ext uri="{BB962C8B-B14F-4D97-AF65-F5344CB8AC3E}">
+        <p14:creationId xmlns:p14="http://schemas.microsoft.com/office/powerpoint/2010/main" val="751087175"/>
+      </p:ext>
+    </p:extLst>
+  </p:cSld>
+  <p:clrMapOvr>
+    <a:masterClrMapping/>
+  </p:clrMapOvr>
+  <mc:AlternateContent xmlns:mc="http://schemas.openxmlformats.org/markup-compatibility/2006" xmlns:p14="http://schemas.microsoft.com/office/powerpoint/2010/main">
+    <mc:Choice Requires="p14">
+      <p:transition spd="slow" p14:dur="2000" advTm="60246"/>
+    </mc:Choice>
+    <mc:Fallback xmlns="">
+      <p:transition spd="slow" advTm="60246"/>
+    </mc:Fallback>
+  </mc:AlternateContent>
+</p:sld>
+</file>
+
+<file path=ppt/slides/slide11.xml><?xml version="1.0" encoding="utf-8"?>
 <p:sld xmlns:a="http://schemas.openxmlformats.org/drawingml/2006/main" xmlns:r="http://schemas.openxmlformats.org/officeDocument/2006/relationships" xmlns:p="http://schemas.openxmlformats.org/presentationml/2006/main">
   <p:cSld>
     <p:spTree>
@@ -5391,7 +6338,7 @@
 </p:sld>
 </file>
 
-<file path=ppt/slides/slide11.xml><?xml version="1.0" encoding="utf-8"?>
+<file path=ppt/slides/slide12.xml><?xml version="1.0" encoding="utf-8"?>
 <p:sld xmlns:a="http://schemas.openxmlformats.org/drawingml/2006/main" xmlns:r="http://schemas.openxmlformats.org/officeDocument/2006/relationships" xmlns:p="http://schemas.openxmlformats.org/presentationml/2006/main">
   <p:cSld>
     <p:spTree>
@@ -6337,7 +7284,7 @@
 </p:sld>
 </file>
 
-<file path=ppt/slides/slide12.xml><?xml version="1.0" encoding="utf-8"?>
+<file path=ppt/slides/slide13.xml><?xml version="1.0" encoding="utf-8"?>
 <p:sld xmlns:a="http://schemas.openxmlformats.org/drawingml/2006/main" xmlns:r="http://schemas.openxmlformats.org/officeDocument/2006/relationships" xmlns:p="http://schemas.openxmlformats.org/presentationml/2006/main">
   <p:cSld>
     <p:spTree>
@@ -8357,7 +9304,7 @@
 </p:sld>
 </file>
 
-<file path=ppt/slides/slide13.xml><?xml version="1.0" encoding="utf-8"?>
+<file path=ppt/slides/slide14.xml><?xml version="1.0" encoding="utf-8"?>
 <p:sld xmlns:a="http://schemas.openxmlformats.org/drawingml/2006/main" xmlns:r="http://schemas.openxmlformats.org/officeDocument/2006/relationships" xmlns:p="http://schemas.openxmlformats.org/presentationml/2006/main">
   <p:cSld>
     <p:spTree>
@@ -8629,7 +9576,7 @@
 </p:sld>
 </file>
 
-<file path=ppt/slides/slide14.xml><?xml version="1.0" encoding="utf-8"?>
+<file path=ppt/slides/slide15.xml><?xml version="1.0" encoding="utf-8"?>
 <p:sld xmlns:a="http://schemas.openxmlformats.org/drawingml/2006/main" xmlns:r="http://schemas.openxmlformats.org/officeDocument/2006/relationships" xmlns:p="http://schemas.openxmlformats.org/presentationml/2006/main">
   <p:cSld>
     <p:spTree>
@@ -8687,7 +9634,7 @@
 </p:sld>
 </file>
 
-<file path=ppt/slides/slide15.xml><?xml version="1.0" encoding="utf-8"?>
+<file path=ppt/slides/slide16.xml><?xml version="1.0" encoding="utf-8"?>
 <p:sld xmlns:a="http://schemas.openxmlformats.org/drawingml/2006/main" xmlns:r="http://schemas.openxmlformats.org/officeDocument/2006/relationships" xmlns:p="http://schemas.openxmlformats.org/presentationml/2006/main">
   <p:cSld>
     <p:spTree>
@@ -8789,7 +9736,7 @@
 </p:sld>
 </file>
 
-<file path=ppt/slides/slide16.xml><?xml version="1.0" encoding="utf-8"?>
+<file path=ppt/slides/slide17.xml><?xml version="1.0" encoding="utf-8"?>
 <p:sld xmlns:a="http://schemas.openxmlformats.org/drawingml/2006/main" xmlns:r="http://schemas.openxmlformats.org/officeDocument/2006/relationships" xmlns:p="http://schemas.openxmlformats.org/presentationml/2006/main">
   <p:cSld>
     <p:spTree>
@@ -9735,7 +10682,7 @@
 </p:sld>
 </file>
 
-<file path=ppt/slides/slide17.xml><?xml version="1.0" encoding="utf-8"?>
+<file path=ppt/slides/slide18.xml><?xml version="1.0" encoding="utf-8"?>
 <p:sld xmlns:a="http://schemas.openxmlformats.org/drawingml/2006/main" xmlns:r="http://schemas.openxmlformats.org/officeDocument/2006/relationships" xmlns:p="http://schemas.openxmlformats.org/presentationml/2006/main">
   <p:cSld>
     <p:spTree>
@@ -9839,7 +10786,7 @@
 </p:sld>
 </file>
 
-<file path=ppt/slides/slide18.xml><?xml version="1.0" encoding="utf-8"?>
+<file path=ppt/slides/slide19.xml><?xml version="1.0" encoding="utf-8"?>
 <p:sld xmlns:a="http://schemas.openxmlformats.org/drawingml/2006/main" xmlns:r="http://schemas.openxmlformats.org/officeDocument/2006/relationships" xmlns:p="http://schemas.openxmlformats.org/presentationml/2006/main">
   <p:cSld>
     <p:spTree>
@@ -10367,243 +11314,6 @@
 </p:sld>
 </file>
 
-<file path=ppt/slides/slide19.xml><?xml version="1.0" encoding="utf-8"?>
-<p:sld xmlns:a="http://schemas.openxmlformats.org/drawingml/2006/main" xmlns:r="http://schemas.openxmlformats.org/officeDocument/2006/relationships" xmlns:p="http://schemas.openxmlformats.org/presentationml/2006/main">
-  <p:cSld>
-    <p:spTree>
-      <p:nvGrpSpPr>
-        <p:cNvPr id="1" name=""/>
-        <p:cNvGrpSpPr/>
-        <p:nvPr/>
-      </p:nvGrpSpPr>
-      <p:grpSpPr>
-        <a:xfrm>
-          <a:off x="0" y="0"/>
-          <a:ext cx="0" cy="0"/>
-          <a:chOff x="0" y="0"/>
-          <a:chExt cx="0" cy="0"/>
-        </a:xfrm>
-      </p:grpSpPr>
-      <p:sp>
-        <p:nvSpPr>
-          <p:cNvPr id="2" name="Title 1">
-            <a:extLst>
-              <a:ext uri="{FF2B5EF4-FFF2-40B4-BE49-F238E27FC236}">
-                <a16:creationId xmlns:a16="http://schemas.microsoft.com/office/drawing/2014/main" id="{06A6B056-C362-DE12-AD4B-B7836B7EA59E}"/>
-              </a:ext>
-            </a:extLst>
-          </p:cNvPr>
-          <p:cNvSpPr>
-            <a:spLocks noGrp="1"/>
-          </p:cNvSpPr>
-          <p:nvPr>
-            <p:ph type="title"/>
-          </p:nvPr>
-        </p:nvSpPr>
-        <p:spPr/>
-        <p:txBody>
-          <a:bodyPr/>
-          <a:lstStyle/>
-          <a:p>
-            <a:r>
-              <a:rPr lang="en-CH" dirty="0"/>
-              <a:t>ROC Curve (II)</a:t>
-            </a:r>
-          </a:p>
-        </p:txBody>
-      </p:sp>
-      <p:sp>
-        <p:nvSpPr>
-          <p:cNvPr id="3" name="Content Placeholder 2">
-            <a:extLst>
-              <a:ext uri="{FF2B5EF4-FFF2-40B4-BE49-F238E27FC236}">
-                <a16:creationId xmlns:a16="http://schemas.microsoft.com/office/drawing/2014/main" id="{C995571B-B29B-2475-CFAD-487BDD5177C0}"/>
-              </a:ext>
-            </a:extLst>
-          </p:cNvPr>
-          <p:cNvSpPr>
-            <a:spLocks noGrp="1"/>
-          </p:cNvSpPr>
-          <p:nvPr>
-            <p:ph idx="1"/>
-          </p:nvPr>
-        </p:nvSpPr>
-        <p:spPr/>
-        <p:txBody>
-          <a:bodyPr/>
-          <a:lstStyle/>
-          <a:p>
-            <a:pPr marL="0" indent="0">
-              <a:buNone/>
-            </a:pPr>
-            <a:r>
-              <a:rPr lang="en-GB"/>
-              <a:t>An </a:t>
-            </a:r>
-            <a:r>
-              <a:rPr lang="en-GB" b="1"/>
-              <a:t>ROC curve</a:t>
-            </a:r>
-            <a:r>
-              <a:rPr lang="en-GB"/>
-              <a:t> (</a:t>
-            </a:r>
-            <a:r>
-              <a:rPr lang="en-GB" b="1"/>
-              <a:t>receiver operating characteristic curve</a:t>
-            </a:r>
-            <a:r>
-              <a:rPr lang="en-GB"/>
-              <a:t>) is a graph showing the performance of a classification model at all classification thresholds. This curve plots two parameters:</a:t>
-            </a:r>
-          </a:p>
-          <a:p>
-            <a:pPr marL="0" indent="0">
-              <a:buNone/>
-            </a:pPr>
-            <a:endParaRPr lang="en-GB"/>
-          </a:p>
-          <a:p>
-            <a:r>
-              <a:rPr lang="en-GB"/>
-              <a:t>True Positive Rate (TPR)</a:t>
-            </a:r>
-          </a:p>
-          <a:p>
-            <a:r>
-              <a:rPr lang="en-GB"/>
-              <a:t>False Positive Rate (FPR)</a:t>
-            </a:r>
-          </a:p>
-          <a:p>
-            <a:endParaRPr lang="en-CH"/>
-          </a:p>
-          <a:p>
-            <a:pPr marL="0" indent="0">
-              <a:buNone/>
-            </a:pPr>
-            <a:r>
-              <a:rPr lang="en-GB"/>
-              <a:t>H</a:t>
-            </a:r>
-            <a:r>
-              <a:rPr lang="en-CH"/>
-              <a:t>ow can we draw the curve? A model has only one value for TPR and FPR!</a:t>
-            </a:r>
-          </a:p>
-        </p:txBody>
-      </p:sp>
-      <p:sp>
-        <p:nvSpPr>
-          <p:cNvPr id="5" name="TextBox 4">
-            <a:extLst>
-              <a:ext uri="{FF2B5EF4-FFF2-40B4-BE49-F238E27FC236}">
-                <a16:creationId xmlns:a16="http://schemas.microsoft.com/office/drawing/2014/main" id="{B18F639A-D6F3-02BE-95BF-F5EF4790F631}"/>
-              </a:ext>
-            </a:extLst>
-          </p:cNvPr>
-          <p:cNvSpPr txBox="1"/>
-          <p:nvPr/>
-        </p:nvSpPr>
-        <p:spPr>
-          <a:xfrm>
-            <a:off x="207816" y="6488668"/>
-            <a:ext cx="10328566" cy="338554"/>
-          </a:xfrm>
-          <a:prstGeom prst="rect">
-            <a:avLst/>
-          </a:prstGeom>
-          <a:noFill/>
-        </p:spPr>
-        <p:txBody>
-          <a:bodyPr wrap="square">
-            <a:spAutoFit/>
-          </a:bodyPr>
-          <a:lstStyle/>
-          <a:p>
-            <a:r>
-              <a:rPr lang="en-CH" sz="1600">
-                <a:latin typeface="Arial" panose="020B0604020202020204" pitchFamily="34" charset="0"/>
-                <a:cs typeface="Arial" panose="020B0604020202020204" pitchFamily="34" charset="0"/>
-              </a:rPr>
-              <a:t>https://developers.google.com/machine-learning/crash-course/classification/roc-and-auc</a:t>
-            </a:r>
-          </a:p>
-        </p:txBody>
-      </p:sp>
-      <p:pic>
-        <p:nvPicPr>
-          <p:cNvPr id="4" name="Picture 3">
-            <a:extLst>
-              <a:ext uri="{FF2B5EF4-FFF2-40B4-BE49-F238E27FC236}">
-                <a16:creationId xmlns:a16="http://schemas.microsoft.com/office/drawing/2014/main" id="{4F3053E0-928C-6190-816E-84C1F547A967}"/>
-              </a:ext>
-            </a:extLst>
-          </p:cNvPr>
-          <p:cNvPicPr>
-            <a:picLocks noChangeAspect="1"/>
-          </p:cNvPicPr>
-          <p:nvPr/>
-        </p:nvPicPr>
-        <p:blipFill>
-          <a:blip r:embed="rId2"/>
-          <a:stretch>
-            <a:fillRect/>
-          </a:stretch>
-        </p:blipFill>
-        <p:spPr>
-          <a:xfrm>
-            <a:off x="6957752" y="4212569"/>
-            <a:ext cx="3408218" cy="660651"/>
-          </a:xfrm>
-          <a:prstGeom prst="rect">
-            <a:avLst/>
-          </a:prstGeom>
-        </p:spPr>
-      </p:pic>
-      <p:pic>
-        <p:nvPicPr>
-          <p:cNvPr id="6" name="Picture 5">
-            <a:extLst>
-              <a:ext uri="{FF2B5EF4-FFF2-40B4-BE49-F238E27FC236}">
-                <a16:creationId xmlns:a16="http://schemas.microsoft.com/office/drawing/2014/main" id="{A4D6A4F6-19DA-2709-4F5D-CBD9E0557D78}"/>
-              </a:ext>
-            </a:extLst>
-          </p:cNvPr>
-          <p:cNvPicPr>
-            <a:picLocks noChangeAspect="1"/>
-          </p:cNvPicPr>
-          <p:nvPr/>
-        </p:nvPicPr>
-        <p:blipFill>
-          <a:blip r:embed="rId3"/>
-          <a:stretch>
-            <a:fillRect/>
-          </a:stretch>
-        </p:blipFill>
-        <p:spPr>
-          <a:xfrm>
-            <a:off x="6957752" y="3221414"/>
-            <a:ext cx="3505200" cy="679450"/>
-          </a:xfrm>
-          <a:prstGeom prst="rect">
-            <a:avLst/>
-          </a:prstGeom>
-        </p:spPr>
-      </p:pic>
-    </p:spTree>
-    <p:extLst>
-      <p:ext uri="{BB962C8B-B14F-4D97-AF65-F5344CB8AC3E}">
-        <p14:creationId xmlns:p14="http://schemas.microsoft.com/office/powerpoint/2010/main" val="742106156"/>
-      </p:ext>
-    </p:extLst>
-  </p:cSld>
-  <p:clrMapOvr>
-    <a:masterClrMapping/>
-  </p:clrMapOvr>
-</p:sld>
-</file>
-
 <file path=ppt/slides/slide2.xml><?xml version="1.0" encoding="utf-8"?>
 <p:sld xmlns:a="http://schemas.openxmlformats.org/drawingml/2006/main" xmlns:r="http://schemas.openxmlformats.org/officeDocument/2006/relationships" xmlns:p="http://schemas.openxmlformats.org/presentationml/2006/main">
   <p:cSld>
@@ -10780,6 +11490,243 @@
 </file>
 
 <file path=ppt/slides/slide20.xml><?xml version="1.0" encoding="utf-8"?>
+<p:sld xmlns:a="http://schemas.openxmlformats.org/drawingml/2006/main" xmlns:r="http://schemas.openxmlformats.org/officeDocument/2006/relationships" xmlns:p="http://schemas.openxmlformats.org/presentationml/2006/main">
+  <p:cSld>
+    <p:spTree>
+      <p:nvGrpSpPr>
+        <p:cNvPr id="1" name=""/>
+        <p:cNvGrpSpPr/>
+        <p:nvPr/>
+      </p:nvGrpSpPr>
+      <p:grpSpPr>
+        <a:xfrm>
+          <a:off x="0" y="0"/>
+          <a:ext cx="0" cy="0"/>
+          <a:chOff x="0" y="0"/>
+          <a:chExt cx="0" cy="0"/>
+        </a:xfrm>
+      </p:grpSpPr>
+      <p:sp>
+        <p:nvSpPr>
+          <p:cNvPr id="2" name="Title 1">
+            <a:extLst>
+              <a:ext uri="{FF2B5EF4-FFF2-40B4-BE49-F238E27FC236}">
+                <a16:creationId xmlns:a16="http://schemas.microsoft.com/office/drawing/2014/main" id="{06A6B056-C362-DE12-AD4B-B7836B7EA59E}"/>
+              </a:ext>
+            </a:extLst>
+          </p:cNvPr>
+          <p:cNvSpPr>
+            <a:spLocks noGrp="1"/>
+          </p:cNvSpPr>
+          <p:nvPr>
+            <p:ph type="title"/>
+          </p:nvPr>
+        </p:nvSpPr>
+        <p:spPr/>
+        <p:txBody>
+          <a:bodyPr/>
+          <a:lstStyle/>
+          <a:p>
+            <a:r>
+              <a:rPr lang="en-CH" dirty="0"/>
+              <a:t>ROC Curve (II)</a:t>
+            </a:r>
+          </a:p>
+        </p:txBody>
+      </p:sp>
+      <p:sp>
+        <p:nvSpPr>
+          <p:cNvPr id="3" name="Content Placeholder 2">
+            <a:extLst>
+              <a:ext uri="{FF2B5EF4-FFF2-40B4-BE49-F238E27FC236}">
+                <a16:creationId xmlns:a16="http://schemas.microsoft.com/office/drawing/2014/main" id="{C995571B-B29B-2475-CFAD-487BDD5177C0}"/>
+              </a:ext>
+            </a:extLst>
+          </p:cNvPr>
+          <p:cNvSpPr>
+            <a:spLocks noGrp="1"/>
+          </p:cNvSpPr>
+          <p:nvPr>
+            <p:ph idx="1"/>
+          </p:nvPr>
+        </p:nvSpPr>
+        <p:spPr/>
+        <p:txBody>
+          <a:bodyPr/>
+          <a:lstStyle/>
+          <a:p>
+            <a:pPr marL="0" indent="0">
+              <a:buNone/>
+            </a:pPr>
+            <a:r>
+              <a:rPr lang="en-GB"/>
+              <a:t>An </a:t>
+            </a:r>
+            <a:r>
+              <a:rPr lang="en-GB" b="1"/>
+              <a:t>ROC curve</a:t>
+            </a:r>
+            <a:r>
+              <a:rPr lang="en-GB"/>
+              <a:t> (</a:t>
+            </a:r>
+            <a:r>
+              <a:rPr lang="en-GB" b="1"/>
+              <a:t>receiver operating characteristic curve</a:t>
+            </a:r>
+            <a:r>
+              <a:rPr lang="en-GB"/>
+              <a:t>) is a graph showing the performance of a classification model at all classification thresholds. This curve plots two parameters:</a:t>
+            </a:r>
+          </a:p>
+          <a:p>
+            <a:pPr marL="0" indent="0">
+              <a:buNone/>
+            </a:pPr>
+            <a:endParaRPr lang="en-GB"/>
+          </a:p>
+          <a:p>
+            <a:r>
+              <a:rPr lang="en-GB"/>
+              <a:t>True Positive Rate (TPR)</a:t>
+            </a:r>
+          </a:p>
+          <a:p>
+            <a:r>
+              <a:rPr lang="en-GB"/>
+              <a:t>False Positive Rate (FPR)</a:t>
+            </a:r>
+          </a:p>
+          <a:p>
+            <a:endParaRPr lang="en-CH"/>
+          </a:p>
+          <a:p>
+            <a:pPr marL="0" indent="0">
+              <a:buNone/>
+            </a:pPr>
+            <a:r>
+              <a:rPr lang="en-GB"/>
+              <a:t>H</a:t>
+            </a:r>
+            <a:r>
+              <a:rPr lang="en-CH"/>
+              <a:t>ow can we draw the curve? A model has only one value for TPR and FPR!</a:t>
+            </a:r>
+          </a:p>
+        </p:txBody>
+      </p:sp>
+      <p:sp>
+        <p:nvSpPr>
+          <p:cNvPr id="5" name="TextBox 4">
+            <a:extLst>
+              <a:ext uri="{FF2B5EF4-FFF2-40B4-BE49-F238E27FC236}">
+                <a16:creationId xmlns:a16="http://schemas.microsoft.com/office/drawing/2014/main" id="{B18F639A-D6F3-02BE-95BF-F5EF4790F631}"/>
+              </a:ext>
+            </a:extLst>
+          </p:cNvPr>
+          <p:cNvSpPr txBox="1"/>
+          <p:nvPr/>
+        </p:nvSpPr>
+        <p:spPr>
+          <a:xfrm>
+            <a:off x="207816" y="6488668"/>
+            <a:ext cx="10328566" cy="338554"/>
+          </a:xfrm>
+          <a:prstGeom prst="rect">
+            <a:avLst/>
+          </a:prstGeom>
+          <a:noFill/>
+        </p:spPr>
+        <p:txBody>
+          <a:bodyPr wrap="square">
+            <a:spAutoFit/>
+          </a:bodyPr>
+          <a:lstStyle/>
+          <a:p>
+            <a:r>
+              <a:rPr lang="en-CH" sz="1600">
+                <a:latin typeface="Arial" panose="020B0604020202020204" pitchFamily="34" charset="0"/>
+                <a:cs typeface="Arial" panose="020B0604020202020204" pitchFamily="34" charset="0"/>
+              </a:rPr>
+              <a:t>https://developers.google.com/machine-learning/crash-course/classification/roc-and-auc</a:t>
+            </a:r>
+          </a:p>
+        </p:txBody>
+      </p:sp>
+      <p:pic>
+        <p:nvPicPr>
+          <p:cNvPr id="4" name="Picture 3">
+            <a:extLst>
+              <a:ext uri="{FF2B5EF4-FFF2-40B4-BE49-F238E27FC236}">
+                <a16:creationId xmlns:a16="http://schemas.microsoft.com/office/drawing/2014/main" id="{4F3053E0-928C-6190-816E-84C1F547A967}"/>
+              </a:ext>
+            </a:extLst>
+          </p:cNvPr>
+          <p:cNvPicPr>
+            <a:picLocks noChangeAspect="1"/>
+          </p:cNvPicPr>
+          <p:nvPr/>
+        </p:nvPicPr>
+        <p:blipFill>
+          <a:blip r:embed="rId2"/>
+          <a:stretch>
+            <a:fillRect/>
+          </a:stretch>
+        </p:blipFill>
+        <p:spPr>
+          <a:xfrm>
+            <a:off x="6957752" y="4212569"/>
+            <a:ext cx="3408218" cy="660651"/>
+          </a:xfrm>
+          <a:prstGeom prst="rect">
+            <a:avLst/>
+          </a:prstGeom>
+        </p:spPr>
+      </p:pic>
+      <p:pic>
+        <p:nvPicPr>
+          <p:cNvPr id="6" name="Picture 5">
+            <a:extLst>
+              <a:ext uri="{FF2B5EF4-FFF2-40B4-BE49-F238E27FC236}">
+                <a16:creationId xmlns:a16="http://schemas.microsoft.com/office/drawing/2014/main" id="{A4D6A4F6-19DA-2709-4F5D-CBD9E0557D78}"/>
+              </a:ext>
+            </a:extLst>
+          </p:cNvPr>
+          <p:cNvPicPr>
+            <a:picLocks noChangeAspect="1"/>
+          </p:cNvPicPr>
+          <p:nvPr/>
+        </p:nvPicPr>
+        <p:blipFill>
+          <a:blip r:embed="rId3"/>
+          <a:stretch>
+            <a:fillRect/>
+          </a:stretch>
+        </p:blipFill>
+        <p:spPr>
+          <a:xfrm>
+            <a:off x="6957752" y="3221414"/>
+            <a:ext cx="3505200" cy="679450"/>
+          </a:xfrm>
+          <a:prstGeom prst="rect">
+            <a:avLst/>
+          </a:prstGeom>
+        </p:spPr>
+      </p:pic>
+    </p:spTree>
+    <p:extLst>
+      <p:ext uri="{BB962C8B-B14F-4D97-AF65-F5344CB8AC3E}">
+        <p14:creationId xmlns:p14="http://schemas.microsoft.com/office/powerpoint/2010/main" val="742106156"/>
+      </p:ext>
+    </p:extLst>
+  </p:cSld>
+  <p:clrMapOvr>
+    <a:masterClrMapping/>
+  </p:clrMapOvr>
+</p:sld>
+</file>
+
+<file path=ppt/slides/slide21.xml><?xml version="1.0" encoding="utf-8"?>
 <p:sld xmlns:a="http://schemas.openxmlformats.org/drawingml/2006/main" xmlns:r="http://schemas.openxmlformats.org/officeDocument/2006/relationships" xmlns:p="http://schemas.openxmlformats.org/presentationml/2006/main">
   <p:cSld>
     <p:spTree>
@@ -12682,7 +13629,7 @@
 </p:sld>
 </file>
 
-<file path=ppt/slides/slide21.xml><?xml version="1.0" encoding="utf-8"?>
+<file path=ppt/slides/slide22.xml><?xml version="1.0" encoding="utf-8"?>
 <p:sld xmlns:a="http://schemas.openxmlformats.org/drawingml/2006/main" xmlns:r="http://schemas.openxmlformats.org/officeDocument/2006/relationships" xmlns:p="http://schemas.openxmlformats.org/presentationml/2006/main">
   <p:cSld>
     <p:spTree>
@@ -14344,7 +15291,7 @@
 </p:sld>
 </file>
 
-<file path=ppt/slides/slide22.xml><?xml version="1.0" encoding="utf-8"?>
+<file path=ppt/slides/slide23.xml><?xml version="1.0" encoding="utf-8"?>
 <p:sld xmlns:a="http://schemas.openxmlformats.org/drawingml/2006/main" xmlns:r="http://schemas.openxmlformats.org/officeDocument/2006/relationships" xmlns:p="http://schemas.openxmlformats.org/presentationml/2006/main">
   <p:cSld>
     <p:spTree>
@@ -14580,6 +15527,275 @@
 </file>
 
 <file path=ppt/slides/slide4.xml><?xml version="1.0" encoding="utf-8"?>
+<p:sld xmlns:a="http://schemas.openxmlformats.org/drawingml/2006/main" xmlns:r="http://schemas.openxmlformats.org/officeDocument/2006/relationships" xmlns:p="http://schemas.openxmlformats.org/presentationml/2006/main">
+  <p:cSld>
+    <p:spTree>
+      <p:nvGrpSpPr>
+        <p:cNvPr id="1" name=""/>
+        <p:cNvGrpSpPr/>
+        <p:nvPr/>
+      </p:nvGrpSpPr>
+      <p:grpSpPr>
+        <a:xfrm>
+          <a:off x="0" y="0"/>
+          <a:ext cx="0" cy="0"/>
+          <a:chOff x="0" y="0"/>
+          <a:chExt cx="0" cy="0"/>
+        </a:xfrm>
+      </p:grpSpPr>
+      <p:sp>
+        <p:nvSpPr>
+          <p:cNvPr id="2" name="Title 1">
+            <a:extLst>
+              <a:ext uri="{FF2B5EF4-FFF2-40B4-BE49-F238E27FC236}">
+                <a16:creationId xmlns:a16="http://schemas.microsoft.com/office/drawing/2014/main" id="{95652490-0730-07C3-8EEF-10929130805E}"/>
+              </a:ext>
+            </a:extLst>
+          </p:cNvPr>
+          <p:cNvSpPr>
+            <a:spLocks noGrp="1"/>
+          </p:cNvSpPr>
+          <p:nvPr>
+            <p:ph type="title"/>
+          </p:nvPr>
+        </p:nvSpPr>
+        <p:spPr/>
+        <p:txBody>
+          <a:bodyPr/>
+          <a:lstStyle/>
+          <a:p>
+            <a:r>
+              <a:rPr lang="en-CH" dirty="0"/>
+              <a:t>Metrics – some examples: the MSE</a:t>
+            </a:r>
+          </a:p>
+        </p:txBody>
+      </p:sp>
+      <mc:AlternateContent xmlns:mc="http://schemas.openxmlformats.org/markup-compatibility/2006">
+        <mc:Choice xmlns:a14="http://schemas.microsoft.com/office/drawing/2010/main" Requires="a14">
+          <p:sp>
+            <p:nvSpPr>
+              <p:cNvPr id="3" name="Content Placeholder 2">
+                <a:extLst>
+                  <a:ext uri="{FF2B5EF4-FFF2-40B4-BE49-F238E27FC236}">
+                    <a16:creationId xmlns:a16="http://schemas.microsoft.com/office/drawing/2014/main" id="{1E5FBF90-1159-504C-6D98-909D74A23175}"/>
+                  </a:ext>
+                </a:extLst>
+              </p:cNvPr>
+              <p:cNvSpPr>
+                <a:spLocks noGrp="1"/>
+              </p:cNvSpPr>
+              <p:nvPr>
+                <p:ph idx="1"/>
+              </p:nvPr>
+            </p:nvSpPr>
+            <p:spPr/>
+            <p:txBody>
+              <a:bodyPr/>
+              <a:lstStyle/>
+              <a:p>
+                <a:r>
+                  <a:rPr lang="en-CH" dirty="0"/>
+                  <a:t>One of the most known metric is the Mean Squared Error (MSE).</a:t>
+                </a:r>
+              </a:p>
+              <a:p>
+                <a:r>
+                  <a:rPr lang="en-CH" dirty="0"/>
+                  <a:t>In general is used when </a:t>
+                </a:r>
+                <a:r>
+                  <a:rPr lang="en-CH" i="1" dirty="0"/>
+                  <a:t>comparing</a:t>
+                </a:r>
+                <a:r>
+                  <a:rPr lang="en-CH" b="1" i="1" dirty="0"/>
+                  <a:t> </a:t>
+                </a:r>
+                <a:r>
+                  <a:rPr lang="en-CH" dirty="0"/>
+                  <a:t>a set of predictions </a:t>
+                </a:r>
+                <a14:m>
+                  <m:oMath xmlns:m="http://schemas.openxmlformats.org/officeDocument/2006/math">
+                    <m:sSub>
+                      <m:sSubPr>
+                        <m:ctrlPr>
+                          <a:rPr lang="de-CH" b="0" i="1" smtClean="0">
+                            <a:latin typeface="Cambria Math" panose="02040503050406030204" pitchFamily="18" charset="0"/>
+                          </a:rPr>
+                        </m:ctrlPr>
+                      </m:sSubPr>
+                      <m:e>
+                        <m:acc>
+                          <m:accPr>
+                            <m:chr m:val="̂"/>
+                            <m:ctrlPr>
+                              <a:rPr lang="en-CH" i="1" smtClean="0">
+                                <a:latin typeface="Cambria Math" panose="02040503050406030204" pitchFamily="18" charset="0"/>
+                              </a:rPr>
+                            </m:ctrlPr>
+                          </m:accPr>
+                          <m:e>
+                            <m:r>
+                              <a:rPr lang="de-CH" b="0" i="1" smtClean="0">
+                                <a:latin typeface="Cambria Math" panose="02040503050406030204" pitchFamily="18" charset="0"/>
+                              </a:rPr>
+                              <m:t>𝑦</m:t>
+                            </m:r>
+                          </m:e>
+                        </m:acc>
+                      </m:e>
+                      <m:sub>
+                        <m:r>
+                          <a:rPr lang="de-CH" b="0" i="1" smtClean="0">
+                            <a:latin typeface="Cambria Math" panose="02040503050406030204" pitchFamily="18" charset="0"/>
+                          </a:rPr>
+                          <m:t>𝑖</m:t>
+                        </m:r>
+                      </m:sub>
+                    </m:sSub>
+                  </m:oMath>
+                </a14:m>
+                <a:r>
+                  <a:rPr lang="en-CH" dirty="0"/>
+                  <a:t> with a set of expected values </a:t>
+                </a:r>
+                <a14:m>
+                  <m:oMath xmlns:m="http://schemas.openxmlformats.org/officeDocument/2006/math">
+                    <m:sSub>
+                      <m:sSubPr>
+                        <m:ctrlPr>
+                          <a:rPr lang="de-CH" b="0" i="1" smtClean="0">
+                            <a:latin typeface="Cambria Math" panose="02040503050406030204" pitchFamily="18" charset="0"/>
+                          </a:rPr>
+                        </m:ctrlPr>
+                      </m:sSubPr>
+                      <m:e>
+                        <m:r>
+                          <a:rPr lang="de-CH" b="0" i="1" smtClean="0">
+                            <a:latin typeface="Cambria Math" panose="02040503050406030204" pitchFamily="18" charset="0"/>
+                          </a:rPr>
+                          <m:t>𝑦</m:t>
+                        </m:r>
+                      </m:e>
+                      <m:sub>
+                        <m:r>
+                          <a:rPr lang="de-CH" b="0" i="1" smtClean="0">
+                            <a:latin typeface="Cambria Math" panose="02040503050406030204" pitchFamily="18" charset="0"/>
+                          </a:rPr>
+                          <m:t>𝑖</m:t>
+                        </m:r>
+                      </m:sub>
+                    </m:sSub>
+                  </m:oMath>
+                </a14:m>
+                <a:r>
+                  <a:rPr lang="en-CH" dirty="0"/>
+                  <a:t> and is given by (</a:t>
+                </a:r>
+                <a14:m>
+                  <m:oMath xmlns:m="http://schemas.openxmlformats.org/officeDocument/2006/math">
+                    <m:r>
+                      <a:rPr lang="de-CH" b="0" i="1" smtClean="0">
+                        <a:latin typeface="Cambria Math" panose="02040503050406030204" pitchFamily="18" charset="0"/>
+                      </a:rPr>
+                      <m:t>𝑁</m:t>
+                    </m:r>
+                  </m:oMath>
+                </a14:m>
+                <a:r>
+                  <a:rPr lang="en-CH" dirty="0"/>
+                  <a:t> is the total number of observations)</a:t>
+                </a:r>
+              </a:p>
+            </p:txBody>
+          </p:sp>
+        </mc:Choice>
+        <mc:Fallback>
+          <p:sp>
+            <p:nvSpPr>
+              <p:cNvPr id="3" name="Content Placeholder 2">
+                <a:extLst>
+                  <a:ext uri="{FF2B5EF4-FFF2-40B4-BE49-F238E27FC236}">
+                    <a16:creationId xmlns:a16="http://schemas.microsoft.com/office/drawing/2014/main" id="{1E5FBF90-1159-504C-6D98-909D74A23175}"/>
+                  </a:ext>
+                </a:extLst>
+              </p:cNvPr>
+              <p:cNvSpPr>
+                <a:spLocks noGrp="1" noRot="1" noChangeAspect="1" noMove="1" noResize="1" noEditPoints="1" noAdjustHandles="1" noChangeArrowheads="1" noChangeShapeType="1" noTextEdit="1"/>
+              </p:cNvSpPr>
+              <p:nvPr>
+                <p:ph idx="1"/>
+              </p:nvPr>
+            </p:nvSpPr>
+            <p:spPr>
+              <a:blipFill>
+                <a:blip r:embed="rId2"/>
+                <a:stretch>
+                  <a:fillRect l="-1086" t="-2326" r="-1568"/>
+                </a:stretch>
+              </a:blipFill>
+            </p:spPr>
+            <p:txBody>
+              <a:bodyPr/>
+              <a:lstStyle/>
+              <a:p>
+                <a:r>
+                  <a:rPr lang="en-CH">
+                    <a:noFill/>
+                  </a:rPr>
+                  <a:t> </a:t>
+                </a:r>
+              </a:p>
+            </p:txBody>
+          </p:sp>
+        </mc:Fallback>
+      </mc:AlternateContent>
+      <p:pic>
+        <p:nvPicPr>
+          <p:cNvPr id="4" name="Picture 3">
+            <a:extLst>
+              <a:ext uri="{FF2B5EF4-FFF2-40B4-BE49-F238E27FC236}">
+                <a16:creationId xmlns:a16="http://schemas.microsoft.com/office/drawing/2014/main" id="{FB584FDA-CAA4-F724-C7EF-011D00250824}"/>
+              </a:ext>
+            </a:extLst>
+          </p:cNvPr>
+          <p:cNvPicPr>
+            <a:picLocks noChangeAspect="1"/>
+          </p:cNvPicPr>
+          <p:nvPr/>
+        </p:nvPicPr>
+        <p:blipFill>
+          <a:blip r:embed="rId3"/>
+          <a:stretch>
+            <a:fillRect/>
+          </a:stretch>
+        </p:blipFill>
+        <p:spPr>
+          <a:xfrm>
+            <a:off x="4357231" y="4527675"/>
+            <a:ext cx="3115398" cy="1022240"/>
+          </a:xfrm>
+          <a:prstGeom prst="rect">
+            <a:avLst/>
+          </a:prstGeom>
+        </p:spPr>
+      </p:pic>
+    </p:spTree>
+    <p:extLst>
+      <p:ext uri="{BB962C8B-B14F-4D97-AF65-F5344CB8AC3E}">
+        <p14:creationId xmlns:p14="http://schemas.microsoft.com/office/powerpoint/2010/main" val="1633871072"/>
+      </p:ext>
+    </p:extLst>
+  </p:cSld>
+  <p:clrMapOvr>
+    <a:masterClrMapping/>
+  </p:clrMapOvr>
+</p:sld>
+</file>
+
+<file path=ppt/slides/slide5.xml><?xml version="1.0" encoding="utf-8"?>
 <p:sld xmlns:a="http://schemas.openxmlformats.org/drawingml/2006/main" xmlns:r="http://schemas.openxmlformats.org/officeDocument/2006/relationships" xmlns:p="http://schemas.openxmlformats.org/presentationml/2006/main">
   <p:cSld>
     <p:spTree>
@@ -15481,7 +16697,7 @@
 </p:sld>
 </file>
 
-<file path=ppt/slides/slide5.xml><?xml version="1.0" encoding="utf-8"?>
+<file path=ppt/slides/slide6.xml><?xml version="1.0" encoding="utf-8"?>
 <p:sld xmlns:a="http://schemas.openxmlformats.org/drawingml/2006/main" xmlns:r="http://schemas.openxmlformats.org/officeDocument/2006/relationships" xmlns:p="http://schemas.openxmlformats.org/presentationml/2006/main">
   <p:cSld>
     <p:spTree>
@@ -16422,7 +17638,7 @@
 </p:sld>
 </file>
 
-<file path=ppt/slides/slide6.xml><?xml version="1.0" encoding="utf-8"?>
+<file path=ppt/slides/slide7.xml><?xml version="1.0" encoding="utf-8"?>
 <p:sld xmlns:a="http://schemas.openxmlformats.org/drawingml/2006/main" xmlns:r="http://schemas.openxmlformats.org/officeDocument/2006/relationships" xmlns:p="http://schemas.openxmlformats.org/presentationml/2006/main">
   <p:cSld>
     <p:spTree>
@@ -17586,7 +18802,7 @@
 </p:sld>
 </file>
 
-<file path=ppt/slides/slide7.xml><?xml version="1.0" encoding="utf-8"?>
+<file path=ppt/slides/slide8.xml><?xml version="1.0" encoding="utf-8"?>
 <p:sld xmlns:a="http://schemas.openxmlformats.org/drawingml/2006/main" xmlns:r="http://schemas.openxmlformats.org/officeDocument/2006/relationships" xmlns:p="http://schemas.openxmlformats.org/presentationml/2006/main">
   <p:cSld>
     <p:spTree>
@@ -18527,7 +19743,7 @@
 </p:sld>
 </file>
 
-<file path=ppt/slides/slide8.xml><?xml version="1.0" encoding="utf-8"?>
+<file path=ppt/slides/slide9.xml><?xml version="1.0" encoding="utf-8"?>
 <p:sld xmlns:a="http://schemas.openxmlformats.org/drawingml/2006/main" xmlns:r="http://schemas.openxmlformats.org/officeDocument/2006/relationships" xmlns:p="http://schemas.openxmlformats.org/presentationml/2006/main">
   <p:cSld>
     <p:spTree>
@@ -20482,952 +21698,6 @@
 </p:sld>
 </file>
 
-<file path=ppt/slides/slide9.xml><?xml version="1.0" encoding="utf-8"?>
-<p:sld xmlns:a="http://schemas.openxmlformats.org/drawingml/2006/main" xmlns:r="http://schemas.openxmlformats.org/officeDocument/2006/relationships" xmlns:p="http://schemas.openxmlformats.org/presentationml/2006/main">
-  <p:cSld>
-    <p:spTree>
-      <p:nvGrpSpPr>
-        <p:cNvPr id="1" name=""/>
-        <p:cNvGrpSpPr/>
-        <p:nvPr/>
-      </p:nvGrpSpPr>
-      <p:grpSpPr>
-        <a:xfrm>
-          <a:off x="0" y="0"/>
-          <a:ext cx="0" cy="0"/>
-          <a:chOff x="0" y="0"/>
-          <a:chExt cx="0" cy="0"/>
-        </a:xfrm>
-      </p:grpSpPr>
-      <p:sp>
-        <p:nvSpPr>
-          <p:cNvPr id="3" name="Rectangle 2">
-            <a:extLst>
-              <a:ext uri="{FF2B5EF4-FFF2-40B4-BE49-F238E27FC236}">
-                <a16:creationId xmlns:a16="http://schemas.microsoft.com/office/drawing/2014/main" id="{A855C0C3-9A52-FA6D-3549-7E417AAA05D0}"/>
-              </a:ext>
-            </a:extLst>
-          </p:cNvPr>
-          <p:cNvSpPr/>
-          <p:nvPr/>
-        </p:nvSpPr>
-        <p:spPr>
-          <a:xfrm>
-            <a:off x="838198" y="3565804"/>
-            <a:ext cx="2077017" cy="462990"/>
-          </a:xfrm>
-          <a:prstGeom prst="rect">
-            <a:avLst/>
-          </a:prstGeom>
-        </p:spPr>
-        <p:style>
-          <a:lnRef idx="1">
-            <a:schemeClr val="accent4"/>
-          </a:lnRef>
-          <a:fillRef idx="2">
-            <a:schemeClr val="accent4"/>
-          </a:fillRef>
-          <a:effectRef idx="1">
-            <a:schemeClr val="accent4"/>
-          </a:effectRef>
-          <a:fontRef idx="minor">
-            <a:schemeClr val="dk1"/>
-          </a:fontRef>
-        </p:style>
-        <p:txBody>
-          <a:bodyPr rtlCol="0" anchor="ctr"/>
-          <a:lstStyle/>
-          <a:p>
-            <a:pPr algn="ctr"/>
-            <a:endParaRPr lang="en-CH"/>
-          </a:p>
-        </p:txBody>
-      </p:sp>
-      <p:graphicFrame>
-        <p:nvGraphicFramePr>
-          <p:cNvPr id="4" name="Table 4">
-            <a:extLst>
-              <a:ext uri="{FF2B5EF4-FFF2-40B4-BE49-F238E27FC236}">
-                <a16:creationId xmlns:a16="http://schemas.microsoft.com/office/drawing/2014/main" id="{49A1378C-14D0-6C42-A879-F2F221EA5CE2}"/>
-              </a:ext>
-            </a:extLst>
-          </p:cNvPr>
-          <p:cNvGraphicFramePr>
-            <a:graphicFrameLocks noGrp="1"/>
-          </p:cNvGraphicFramePr>
-          <p:nvPr>
-            <p:ph idx="1"/>
-            <p:extLst>
-              <p:ext uri="{D42A27DB-BD31-4B8C-83A1-F6EECF244321}">
-                <p14:modId xmlns:p14="http://schemas.microsoft.com/office/powerpoint/2010/main" val="2112548806"/>
-              </p:ext>
-            </p:extLst>
-          </p:nvPr>
-        </p:nvGraphicFramePr>
-        <p:xfrm>
-          <a:off x="838200" y="1825625"/>
-          <a:ext cx="10515600" cy="3571240"/>
-        </p:xfrm>
-        <a:graphic>
-          <a:graphicData uri="http://schemas.openxmlformats.org/drawingml/2006/table">
-            <a:tbl>
-              <a:tblPr firstRow="1" bandRow="1">
-                <a:tableStyleId>{9D7B26C5-4107-4FEC-AEDC-1716B250A1EF}</a:tableStyleId>
-              </a:tblPr>
-              <a:tblGrid>
-                <a:gridCol w="2628900">
-                  <a:extLst>
-                    <a:ext uri="{9D8B030D-6E8A-4147-A177-3AD203B41FA5}">
-                      <a16:colId xmlns:a16="http://schemas.microsoft.com/office/drawing/2014/main" val="3243569652"/>
-                    </a:ext>
-                  </a:extLst>
-                </a:gridCol>
-                <a:gridCol w="2424414">
-                  <a:extLst>
-                    <a:ext uri="{9D8B030D-6E8A-4147-A177-3AD203B41FA5}">
-                      <a16:colId xmlns:a16="http://schemas.microsoft.com/office/drawing/2014/main" val="1546646484"/>
-                    </a:ext>
-                  </a:extLst>
-                </a:gridCol>
-                <a:gridCol w="2833386">
-                  <a:extLst>
-                    <a:ext uri="{9D8B030D-6E8A-4147-A177-3AD203B41FA5}">
-                      <a16:colId xmlns:a16="http://schemas.microsoft.com/office/drawing/2014/main" val="2926770897"/>
-                    </a:ext>
-                  </a:extLst>
-                </a:gridCol>
-                <a:gridCol w="2628900">
-                  <a:extLst>
-                    <a:ext uri="{9D8B030D-6E8A-4147-A177-3AD203B41FA5}">
-                      <a16:colId xmlns:a16="http://schemas.microsoft.com/office/drawing/2014/main" val="2676612467"/>
-                    </a:ext>
-                  </a:extLst>
-                </a:gridCol>
-              </a:tblGrid>
-              <a:tr h="370840">
-                <a:tc>
-                  <a:txBody>
-                    <a:bodyPr/>
-                    <a:lstStyle/>
-                    <a:p>
-                      <a:r>
-                        <a:rPr lang="en-CH">
-                          <a:latin typeface="Franklin Gothic Book" panose="020B0503020102020204" pitchFamily="34" charset="0"/>
-                        </a:rPr>
-                        <a:t>Metric</a:t>
-                      </a:r>
-                    </a:p>
-                  </a:txBody>
-                  <a:tcPr/>
-                </a:tc>
-                <a:tc>
-                  <a:txBody>
-                    <a:bodyPr/>
-                    <a:lstStyle/>
-                    <a:p>
-                      <a:r>
-                        <a:rPr lang="en-GB" dirty="0">
-                          <a:latin typeface="Franklin Gothic Book" panose="020B0503020102020204" pitchFamily="34" charset="0"/>
-                        </a:rPr>
-                        <a:t>Discussed Today</a:t>
-                      </a:r>
-                      <a:endParaRPr lang="en-CH" dirty="0">
-                        <a:latin typeface="Franklin Gothic Book" panose="020B0503020102020204" pitchFamily="34" charset="0"/>
-                      </a:endParaRPr>
-                    </a:p>
-                  </a:txBody>
-                  <a:tcPr/>
-                </a:tc>
-                <a:tc>
-                  <a:txBody>
-                    <a:bodyPr/>
-                    <a:lstStyle/>
-                    <a:p>
-                      <a:r>
-                        <a:rPr lang="en-CH">
-                          <a:latin typeface="Franklin Gothic Book" panose="020B0503020102020204" pitchFamily="34" charset="0"/>
-                        </a:rPr>
-                        <a:t>Metric</a:t>
-                      </a:r>
-                    </a:p>
-                  </a:txBody>
-                  <a:tcPr/>
-                </a:tc>
-                <a:tc>
-                  <a:txBody>
-                    <a:bodyPr/>
-                    <a:lstStyle/>
-                    <a:p>
-                      <a:pPr marL="0" marR="0" lvl="0" indent="0" algn="l" defTabSz="914400" rtl="0" eaLnBrk="1" fontAlgn="auto" latinLnBrk="0" hangingPunct="1">
-                        <a:lnSpc>
-                          <a:spcPct val="100000"/>
-                        </a:lnSpc>
-                        <a:spcBef>
-                          <a:spcPts val="0"/>
-                        </a:spcBef>
-                        <a:spcAft>
-                          <a:spcPts val="0"/>
-                        </a:spcAft>
-                        <a:buClrTx/>
-                        <a:buSzTx/>
-                        <a:buFontTx/>
-                        <a:buNone/>
-                        <a:tabLst/>
-                        <a:defRPr/>
-                      </a:pPr>
-                      <a:r>
-                        <a:rPr lang="en-GB" dirty="0">
-                          <a:latin typeface="Franklin Gothic Book" panose="020B0503020102020204" pitchFamily="34" charset="0"/>
-                        </a:rPr>
-                        <a:t>Discussed Today</a:t>
-                      </a:r>
-                      <a:endParaRPr lang="en-CH" dirty="0">
-                        <a:latin typeface="Franklin Gothic Book" panose="020B0503020102020204" pitchFamily="34" charset="0"/>
-                      </a:endParaRPr>
-                    </a:p>
-                  </a:txBody>
-                  <a:tcPr/>
-                </a:tc>
-                <a:extLst>
-                  <a:ext uri="{0D108BD9-81ED-4DB2-BD59-A6C34878D82A}">
-                    <a16:rowId xmlns:a16="http://schemas.microsoft.com/office/drawing/2014/main" val="1303884240"/>
-                  </a:ext>
-                </a:extLst>
-              </a:tr>
-              <a:tr h="370840">
-                <a:tc>
-                  <a:txBody>
-                    <a:bodyPr/>
-                    <a:lstStyle/>
-                    <a:p>
-                      <a:r>
-                        <a:rPr lang="en-CH" dirty="0">
-                          <a:latin typeface="Franklin Gothic Book" panose="020B0503020102020204" pitchFamily="34" charset="0"/>
-                        </a:rPr>
-                        <a:t>Accuracy</a:t>
-                      </a:r>
-                    </a:p>
-                  </a:txBody>
-                  <a:tcPr anchor="ctr"/>
-                </a:tc>
-                <a:tc>
-                  <a:txBody>
-                    <a:bodyPr/>
-                    <a:lstStyle/>
-                    <a:p>
-                      <a:r>
-                        <a:rPr lang="de-CH" sz="2400">
-                          <a:latin typeface="Wingdings" pitchFamily="2" charset="2"/>
-                        </a:rPr>
-                        <a:t>ü</a:t>
-                      </a:r>
-                      <a:endParaRPr lang="en-CH">
-                        <a:latin typeface="Wingdings" pitchFamily="2" charset="2"/>
-                      </a:endParaRPr>
-                    </a:p>
-                  </a:txBody>
-                  <a:tcPr/>
-                </a:tc>
-                <a:tc>
-                  <a:txBody>
-                    <a:bodyPr/>
-                    <a:lstStyle/>
-                    <a:p>
-                      <a:r>
-                        <a:rPr lang="en-CH">
-                          <a:latin typeface="Franklin Gothic Book" panose="020B0503020102020204" pitchFamily="34" charset="0"/>
-                        </a:rPr>
-                        <a:t>Accuracy</a:t>
-                      </a:r>
-                    </a:p>
-                  </a:txBody>
-                  <a:tcPr/>
-                </a:tc>
-                <a:tc>
-                  <a:txBody>
-                    <a:bodyPr/>
-                    <a:lstStyle/>
-                    <a:p>
-                      <a:pPr marL="0" marR="0" lvl="0" indent="0" algn="l" defTabSz="914400" rtl="0" eaLnBrk="1" fontAlgn="auto" latinLnBrk="0" hangingPunct="1">
-                        <a:lnSpc>
-                          <a:spcPct val="100000"/>
-                        </a:lnSpc>
-                        <a:spcBef>
-                          <a:spcPts val="0"/>
-                        </a:spcBef>
-                        <a:spcAft>
-                          <a:spcPts val="0"/>
-                        </a:spcAft>
-                        <a:buClrTx/>
-                        <a:buSzTx/>
-                        <a:buFontTx/>
-                        <a:buNone/>
-                        <a:tabLst/>
-                        <a:defRPr/>
-                      </a:pPr>
-                      <a:r>
-                        <a:rPr lang="de-CH" sz="2400">
-                          <a:latin typeface="Wingdings" pitchFamily="2" charset="2"/>
-                        </a:rPr>
-                        <a:t>ü</a:t>
-                      </a:r>
-                      <a:endParaRPr lang="en-CH" sz="1800"/>
-                    </a:p>
-                  </a:txBody>
-                  <a:tcPr/>
-                </a:tc>
-                <a:extLst>
-                  <a:ext uri="{0D108BD9-81ED-4DB2-BD59-A6C34878D82A}">
-                    <a16:rowId xmlns:a16="http://schemas.microsoft.com/office/drawing/2014/main" val="3274176856"/>
-                  </a:ext>
-                </a:extLst>
-              </a:tr>
-              <a:tr h="370840">
-                <a:tc>
-                  <a:txBody>
-                    <a:bodyPr/>
-                    <a:lstStyle/>
-                    <a:p>
-                      <a:r>
-                        <a:rPr lang="en-CH" dirty="0">
-                          <a:latin typeface="Franklin Gothic Book" panose="020B0503020102020204" pitchFamily="34" charset="0"/>
-                        </a:rPr>
-                        <a:t>Specificity</a:t>
-                      </a:r>
-                    </a:p>
-                  </a:txBody>
-                  <a:tcPr anchor="ctr"/>
-                </a:tc>
-                <a:tc>
-                  <a:txBody>
-                    <a:bodyPr/>
-                    <a:lstStyle/>
-                    <a:p>
-                      <a:r>
-                        <a:rPr lang="de-CH" sz="2400">
-                          <a:latin typeface="Wingdings" pitchFamily="2" charset="2"/>
-                        </a:rPr>
-                        <a:t>ü</a:t>
-                      </a:r>
-                      <a:endParaRPr lang="en-CH" sz="2400"/>
-                    </a:p>
-                  </a:txBody>
-                  <a:tcPr/>
-                </a:tc>
-                <a:tc>
-                  <a:txBody>
-                    <a:bodyPr/>
-                    <a:lstStyle/>
-                    <a:p>
-                      <a:r>
-                        <a:rPr lang="en-CH">
-                          <a:latin typeface="Franklin Gothic Book" panose="020B0503020102020204" pitchFamily="34" charset="0"/>
-                        </a:rPr>
-                        <a:t>Accuracy pro class</a:t>
-                      </a:r>
-                    </a:p>
-                  </a:txBody>
-                  <a:tcPr/>
-                </a:tc>
-                <a:tc>
-                  <a:txBody>
-                    <a:bodyPr/>
-                    <a:lstStyle/>
-                    <a:p>
-                      <a:endParaRPr lang="en-CH"/>
-                    </a:p>
-                  </a:txBody>
-                  <a:tcPr/>
-                </a:tc>
-                <a:extLst>
-                  <a:ext uri="{0D108BD9-81ED-4DB2-BD59-A6C34878D82A}">
-                    <a16:rowId xmlns:a16="http://schemas.microsoft.com/office/drawing/2014/main" val="755561542"/>
-                  </a:ext>
-                </a:extLst>
-              </a:tr>
-              <a:tr h="370840">
-                <a:tc>
-                  <a:txBody>
-                    <a:bodyPr/>
-                    <a:lstStyle/>
-                    <a:p>
-                      <a:r>
-                        <a:rPr lang="en-CH" dirty="0">
-                          <a:latin typeface="Franklin Gothic Book" panose="020B0503020102020204" pitchFamily="34" charset="0"/>
-                        </a:rPr>
-                        <a:t>Sensitivity</a:t>
-                      </a:r>
-                    </a:p>
-                  </a:txBody>
-                  <a:tcPr anchor="ctr"/>
-                </a:tc>
-                <a:tc>
-                  <a:txBody>
-                    <a:bodyPr/>
-                    <a:lstStyle/>
-                    <a:p>
-                      <a:r>
-                        <a:rPr lang="de-CH" sz="2400">
-                          <a:latin typeface="Wingdings" pitchFamily="2" charset="2"/>
-                        </a:rPr>
-                        <a:t>ü</a:t>
-                      </a:r>
-                      <a:endParaRPr lang="en-CH" sz="2400"/>
-                    </a:p>
-                  </a:txBody>
-                  <a:tcPr/>
-                </a:tc>
-                <a:tc>
-                  <a:txBody>
-                    <a:bodyPr/>
-                    <a:lstStyle/>
-                    <a:p>
-                      <a:endParaRPr lang="en-CH">
-                        <a:latin typeface="Franklin Gothic Book" panose="020B0503020102020204" pitchFamily="34" charset="0"/>
-                      </a:endParaRPr>
-                    </a:p>
-                  </a:txBody>
-                  <a:tcPr/>
-                </a:tc>
-                <a:tc>
-                  <a:txBody>
-                    <a:bodyPr/>
-                    <a:lstStyle/>
-                    <a:p>
-                      <a:endParaRPr lang="en-CH"/>
-                    </a:p>
-                  </a:txBody>
-                  <a:tcPr/>
-                </a:tc>
-                <a:extLst>
-                  <a:ext uri="{0D108BD9-81ED-4DB2-BD59-A6C34878D82A}">
-                    <a16:rowId xmlns:a16="http://schemas.microsoft.com/office/drawing/2014/main" val="199157822"/>
-                  </a:ext>
-                </a:extLst>
-              </a:tr>
-              <a:tr h="370840">
-                <a:tc>
-                  <a:txBody>
-                    <a:bodyPr/>
-                    <a:lstStyle/>
-                    <a:p>
-                      <a:r>
-                        <a:rPr lang="en-CH" dirty="0">
-                          <a:latin typeface="Franklin Gothic Book" panose="020B0503020102020204" pitchFamily="34" charset="0"/>
-                        </a:rPr>
-                        <a:t>Balanced Accuracy</a:t>
-                      </a:r>
-                    </a:p>
-                  </a:txBody>
-                  <a:tcPr anchor="ctr"/>
-                </a:tc>
-                <a:tc>
-                  <a:txBody>
-                    <a:bodyPr/>
-                    <a:lstStyle/>
-                    <a:p>
-                      <a:r>
-                        <a:rPr lang="de-CH" sz="2400">
-                          <a:latin typeface="Wingdings" pitchFamily="2" charset="2"/>
-                        </a:rPr>
-                        <a:t>ü</a:t>
-                      </a:r>
-                      <a:endParaRPr lang="en-CH" sz="2400"/>
-                    </a:p>
-                  </a:txBody>
-                  <a:tcPr/>
-                </a:tc>
-                <a:tc>
-                  <a:txBody>
-                    <a:bodyPr/>
-                    <a:lstStyle/>
-                    <a:p>
-                      <a:endParaRPr lang="en-CH">
-                        <a:latin typeface="Franklin Gothic Book" panose="020B0503020102020204" pitchFamily="34" charset="0"/>
-                      </a:endParaRPr>
-                    </a:p>
-                  </a:txBody>
-                  <a:tcPr/>
-                </a:tc>
-                <a:tc>
-                  <a:txBody>
-                    <a:bodyPr/>
-                    <a:lstStyle/>
-                    <a:p>
-                      <a:endParaRPr lang="en-CH"/>
-                    </a:p>
-                  </a:txBody>
-                  <a:tcPr/>
-                </a:tc>
-                <a:extLst>
-                  <a:ext uri="{0D108BD9-81ED-4DB2-BD59-A6C34878D82A}">
-                    <a16:rowId xmlns:a16="http://schemas.microsoft.com/office/drawing/2014/main" val="3717749055"/>
-                  </a:ext>
-                </a:extLst>
-              </a:tr>
-              <a:tr h="370840">
-                <a:tc>
-                  <a:txBody>
-                    <a:bodyPr/>
-                    <a:lstStyle/>
-                    <a:p>
-                      <a:r>
-                        <a:rPr lang="en-CH">
-                          <a:latin typeface="Franklin Gothic Book" panose="020B0503020102020204" pitchFamily="34" charset="0"/>
-                        </a:rPr>
-                        <a:t>F1 Score</a:t>
-                      </a:r>
-                    </a:p>
-                  </a:txBody>
-                  <a:tcPr anchor="ctr"/>
-                </a:tc>
-                <a:tc>
-                  <a:txBody>
-                    <a:bodyPr/>
-                    <a:lstStyle/>
-                    <a:p>
-                      <a:r>
-                        <a:rPr lang="de-CH" sz="2400">
-                          <a:latin typeface="Wingdings" pitchFamily="2" charset="2"/>
-                        </a:rPr>
-                        <a:t>ü</a:t>
-                      </a:r>
-                      <a:endParaRPr lang="en-CH" sz="2400"/>
-                    </a:p>
-                  </a:txBody>
-                  <a:tcPr/>
-                </a:tc>
-                <a:tc>
-                  <a:txBody>
-                    <a:bodyPr/>
-                    <a:lstStyle/>
-                    <a:p>
-                      <a:endParaRPr lang="en-CH">
-                        <a:latin typeface="Franklin Gothic Book" panose="020B0503020102020204" pitchFamily="34" charset="0"/>
-                      </a:endParaRPr>
-                    </a:p>
-                  </a:txBody>
-                  <a:tcPr/>
-                </a:tc>
-                <a:tc>
-                  <a:txBody>
-                    <a:bodyPr/>
-                    <a:lstStyle/>
-                    <a:p>
-                      <a:endParaRPr lang="en-CH"/>
-                    </a:p>
-                  </a:txBody>
-                  <a:tcPr/>
-                </a:tc>
-                <a:extLst>
-                  <a:ext uri="{0D108BD9-81ED-4DB2-BD59-A6C34878D82A}">
-                    <a16:rowId xmlns:a16="http://schemas.microsoft.com/office/drawing/2014/main" val="1853141256"/>
-                  </a:ext>
-                </a:extLst>
-              </a:tr>
-              <a:tr h="370840">
-                <a:tc>
-                  <a:txBody>
-                    <a:bodyPr/>
-                    <a:lstStyle/>
-                    <a:p>
-                      <a:r>
-                        <a:rPr lang="en-CH">
-                          <a:latin typeface="Franklin Gothic Book" panose="020B0503020102020204" pitchFamily="34" charset="0"/>
-                        </a:rPr>
-                        <a:t>Area Under The Curve (AUC / Receiving Operating Curve)</a:t>
-                      </a:r>
-                    </a:p>
-                  </a:txBody>
-                  <a:tcPr anchor="ctr"/>
-                </a:tc>
-                <a:tc>
-                  <a:txBody>
-                    <a:bodyPr/>
-                    <a:lstStyle/>
-                    <a:p>
-                      <a:pPr marL="0" marR="0" lvl="0" indent="0" algn="l" defTabSz="914400" rtl="0" eaLnBrk="1" fontAlgn="auto" latinLnBrk="0" hangingPunct="1">
-                        <a:lnSpc>
-                          <a:spcPct val="100000"/>
-                        </a:lnSpc>
-                        <a:spcBef>
-                          <a:spcPts val="0"/>
-                        </a:spcBef>
-                        <a:spcAft>
-                          <a:spcPts val="0"/>
-                        </a:spcAft>
-                        <a:buClrTx/>
-                        <a:buSzTx/>
-                        <a:buFontTx/>
-                        <a:buNone/>
-                        <a:tabLst/>
-                        <a:defRPr/>
-                      </a:pPr>
-                      <a:r>
-                        <a:rPr kumimoji="0" lang="de-CH" sz="2400" b="0" i="0" u="none" strike="noStrike" kern="1200" cap="none" spc="0" normalizeH="0" baseline="0" noProof="0">
-                          <a:ln>
-                            <a:noFill/>
-                          </a:ln>
-                          <a:solidFill>
-                            <a:prstClr val="black"/>
-                          </a:solidFill>
-                          <a:effectLst/>
-                          <a:uLnTx/>
-                          <a:uFillTx/>
-                          <a:latin typeface="Wingdings" pitchFamily="2" charset="2"/>
-                          <a:ea typeface="+mn-ea"/>
-                          <a:cs typeface="+mn-cs"/>
-                        </a:rPr>
-                        <a:t>ü</a:t>
-                      </a:r>
-                      <a:endParaRPr kumimoji="0" lang="en-CH" sz="2400" b="0" i="0" u="none" strike="noStrike" kern="1200" cap="none" spc="0" normalizeH="0" baseline="0" noProof="0">
-                        <a:ln>
-                          <a:noFill/>
-                        </a:ln>
-                        <a:solidFill>
-                          <a:prstClr val="black"/>
-                        </a:solidFill>
-                        <a:effectLst/>
-                        <a:uLnTx/>
-                        <a:uFillTx/>
-                        <a:latin typeface="+mn-lt"/>
-                        <a:ea typeface="+mn-ea"/>
-                        <a:cs typeface="+mn-cs"/>
-                      </a:endParaRPr>
-                    </a:p>
-                    <a:p>
-                      <a:endParaRPr lang="en-CH"/>
-                    </a:p>
-                  </a:txBody>
-                  <a:tcPr/>
-                </a:tc>
-                <a:tc>
-                  <a:txBody>
-                    <a:bodyPr/>
-                    <a:lstStyle/>
-                    <a:p>
-                      <a:endParaRPr lang="en-CH">
-                        <a:latin typeface="Franklin Gothic Book" panose="020B0503020102020204" pitchFamily="34" charset="0"/>
-                      </a:endParaRPr>
-                    </a:p>
-                  </a:txBody>
-                  <a:tcPr/>
-                </a:tc>
-                <a:tc>
-                  <a:txBody>
-                    <a:bodyPr/>
-                    <a:lstStyle/>
-                    <a:p>
-                      <a:endParaRPr lang="en-CH" dirty="0"/>
-                    </a:p>
-                  </a:txBody>
-                  <a:tcPr/>
-                </a:tc>
-                <a:extLst>
-                  <a:ext uri="{0D108BD9-81ED-4DB2-BD59-A6C34878D82A}">
-                    <a16:rowId xmlns:a16="http://schemas.microsoft.com/office/drawing/2014/main" val="2198511388"/>
-                  </a:ext>
-                </a:extLst>
-              </a:tr>
-            </a:tbl>
-          </a:graphicData>
-        </a:graphic>
-      </p:graphicFrame>
-      <p:sp>
-        <p:nvSpPr>
-          <p:cNvPr id="2" name="Title 1">
-            <a:extLst>
-              <a:ext uri="{FF2B5EF4-FFF2-40B4-BE49-F238E27FC236}">
-                <a16:creationId xmlns:a16="http://schemas.microsoft.com/office/drawing/2014/main" id="{FF4E9BC2-F659-3642-870D-03C6BE22BC2A}"/>
-              </a:ext>
-            </a:extLst>
-          </p:cNvPr>
-          <p:cNvSpPr>
-            <a:spLocks noGrp="1"/>
-          </p:cNvSpPr>
-          <p:nvPr>
-            <p:ph type="title"/>
-          </p:nvPr>
-        </p:nvSpPr>
-        <p:spPr>
-          <a:xfrm>
-            <a:off x="838200" y="122057"/>
-            <a:ext cx="10515600" cy="641872"/>
-          </a:xfrm>
-        </p:spPr>
-        <p:txBody>
-          <a:bodyPr>
-            <a:normAutofit fontScale="90000"/>
-          </a:bodyPr>
-          <a:lstStyle/>
-          <a:p>
-            <a:r>
-              <a:rPr lang="en-CH"/>
-              <a:t>Metrics - Overview</a:t>
-            </a:r>
-          </a:p>
-        </p:txBody>
-      </p:sp>
-      <p:sp>
-        <p:nvSpPr>
-          <p:cNvPr id="5" name="TextBox 4">
-            <a:extLst>
-              <a:ext uri="{FF2B5EF4-FFF2-40B4-BE49-F238E27FC236}">
-                <a16:creationId xmlns:a16="http://schemas.microsoft.com/office/drawing/2014/main" id="{D9DEC118-EFEA-A841-937A-E81D9DE3CB4C}"/>
-              </a:ext>
-            </a:extLst>
-          </p:cNvPr>
-          <p:cNvSpPr txBox="1"/>
-          <p:nvPr/>
-        </p:nvSpPr>
-        <p:spPr>
-          <a:xfrm>
-            <a:off x="838199" y="5868365"/>
-            <a:ext cx="10690185" cy="461665"/>
-          </a:xfrm>
-          <a:prstGeom prst="rect">
-            <a:avLst/>
-          </a:prstGeom>
-          <a:noFill/>
-        </p:spPr>
-        <p:txBody>
-          <a:bodyPr wrap="square" rtlCol="0">
-            <a:spAutoFit/>
-          </a:bodyPr>
-          <a:lstStyle/>
-          <a:p>
-            <a:r>
-              <a:rPr lang="de-CH" sz="2400">
-                <a:latin typeface="Wingdings" pitchFamily="2" charset="2"/>
-              </a:rPr>
-              <a:t>ü </a:t>
-            </a:r>
-            <a:r>
-              <a:rPr lang="en-CH" sz="2400">
-                <a:latin typeface="Franklin Gothic Book" panose="020B0503020102020204" pitchFamily="34" charset="0"/>
-              </a:rPr>
-              <a:t>Confusion Matrix </a:t>
-            </a:r>
-            <a:r>
-              <a:rPr lang="en-CH" sz="2400">
-                <a:latin typeface="Franklin Gothic Book" panose="020B0503020102020204" pitchFamily="34" charset="0"/>
-                <a:sym typeface="Wingdings" pitchFamily="2" charset="2"/>
-              </a:rPr>
-              <a:t> </a:t>
-            </a:r>
-            <a:r>
-              <a:rPr lang="en-GB" sz="2400">
-                <a:latin typeface="Franklin Gothic Book" panose="020B0503020102020204" pitchFamily="34" charset="0"/>
-              </a:rPr>
-              <a:t>Not really a metric (it contains multiple numbers)</a:t>
-            </a:r>
-            <a:endParaRPr lang="en-CH" sz="2400">
-              <a:latin typeface="Franklin Gothic Book" panose="020B0503020102020204" pitchFamily="34" charset="0"/>
-            </a:endParaRPr>
-          </a:p>
-        </p:txBody>
-      </p:sp>
-      <p:sp>
-        <p:nvSpPr>
-          <p:cNvPr id="7" name="TextBox 6">
-            <a:extLst>
-              <a:ext uri="{FF2B5EF4-FFF2-40B4-BE49-F238E27FC236}">
-                <a16:creationId xmlns:a16="http://schemas.microsoft.com/office/drawing/2014/main" id="{2F911A68-9039-9747-9088-1C3CCC964114}"/>
-              </a:ext>
-            </a:extLst>
-          </p:cNvPr>
-          <p:cNvSpPr txBox="1"/>
-          <p:nvPr/>
-        </p:nvSpPr>
-        <p:spPr>
-          <a:xfrm>
-            <a:off x="2178449" y="894667"/>
-            <a:ext cx="3188826" cy="400110"/>
-          </a:xfrm>
-          <a:prstGeom prst="rect">
-            <a:avLst/>
-          </a:prstGeom>
-          <a:noFill/>
-        </p:spPr>
-        <p:txBody>
-          <a:bodyPr wrap="square">
-            <a:spAutoFit/>
-          </a:bodyPr>
-          <a:lstStyle/>
-          <a:p>
-            <a:r>
-              <a:rPr lang="en-CH" sz="2000">
-                <a:latin typeface="Franklin Gothic Book" panose="020B0503020102020204" pitchFamily="34" charset="0"/>
-              </a:rPr>
-              <a:t>Binary Classification</a:t>
-            </a:r>
-            <a:endParaRPr lang="en-CH" sz="2000"/>
-          </a:p>
-        </p:txBody>
-      </p:sp>
-      <p:sp>
-        <p:nvSpPr>
-          <p:cNvPr id="8" name="TextBox 7">
-            <a:extLst>
-              <a:ext uri="{FF2B5EF4-FFF2-40B4-BE49-F238E27FC236}">
-                <a16:creationId xmlns:a16="http://schemas.microsoft.com/office/drawing/2014/main" id="{EF874725-0BFF-3A45-94DA-E04D24EF96ED}"/>
-              </a:ext>
-            </a:extLst>
-          </p:cNvPr>
-          <p:cNvSpPr txBox="1"/>
-          <p:nvPr/>
-        </p:nvSpPr>
-        <p:spPr>
-          <a:xfrm>
-            <a:off x="7127591" y="894667"/>
-            <a:ext cx="3188826" cy="400110"/>
-          </a:xfrm>
-          <a:prstGeom prst="rect">
-            <a:avLst/>
-          </a:prstGeom>
-          <a:noFill/>
-        </p:spPr>
-        <p:txBody>
-          <a:bodyPr wrap="square">
-            <a:spAutoFit/>
-          </a:bodyPr>
-          <a:lstStyle/>
-          <a:p>
-            <a:r>
-              <a:rPr lang="en-CH" sz="2000">
-                <a:latin typeface="Franklin Gothic Book" panose="020B0503020102020204" pitchFamily="34" charset="0"/>
-              </a:rPr>
-              <a:t>Multi-class Classification</a:t>
-            </a:r>
-            <a:endParaRPr lang="en-CH" sz="2000"/>
-          </a:p>
-        </p:txBody>
-      </p:sp>
-      <p:sp>
-        <p:nvSpPr>
-          <p:cNvPr id="9" name="Left Brace 8">
-            <a:extLst>
-              <a:ext uri="{FF2B5EF4-FFF2-40B4-BE49-F238E27FC236}">
-                <a16:creationId xmlns:a16="http://schemas.microsoft.com/office/drawing/2014/main" id="{D12A2700-37A7-3446-8052-22DEFA860BF3}"/>
-              </a:ext>
-            </a:extLst>
-          </p:cNvPr>
-          <p:cNvSpPr/>
-          <p:nvPr/>
-        </p:nvSpPr>
-        <p:spPr>
-          <a:xfrm rot="5400000">
-            <a:off x="3081277" y="-948301"/>
-            <a:ext cx="462988" cy="4949142"/>
-          </a:xfrm>
-          <a:prstGeom prst="leftBrace">
-            <a:avLst>
-              <a:gd name="adj1" fmla="val 35833"/>
-              <a:gd name="adj2" fmla="val 50000"/>
-            </a:avLst>
-          </a:prstGeom>
-          <a:ln w="38100">
-            <a:solidFill>
-              <a:schemeClr val="tx1"/>
-            </a:solidFill>
-          </a:ln>
-        </p:spPr>
-        <p:style>
-          <a:lnRef idx="1">
-            <a:schemeClr val="accent1"/>
-          </a:lnRef>
-          <a:fillRef idx="0">
-            <a:schemeClr val="accent1"/>
-          </a:fillRef>
-          <a:effectRef idx="0">
-            <a:schemeClr val="accent1"/>
-          </a:effectRef>
-          <a:fontRef idx="minor">
-            <a:schemeClr val="tx1"/>
-          </a:fontRef>
-        </p:style>
-        <p:txBody>
-          <a:bodyPr rtlCol="0" anchor="ctr"/>
-          <a:lstStyle/>
-          <a:p>
-            <a:pPr algn="ctr"/>
-            <a:endParaRPr lang="en-CH"/>
-          </a:p>
-        </p:txBody>
-      </p:sp>
-      <p:sp>
-        <p:nvSpPr>
-          <p:cNvPr id="10" name="Left Brace 9">
-            <a:extLst>
-              <a:ext uri="{FF2B5EF4-FFF2-40B4-BE49-F238E27FC236}">
-                <a16:creationId xmlns:a16="http://schemas.microsoft.com/office/drawing/2014/main" id="{AB745382-6067-9342-A739-A1545ECDD5B7}"/>
-              </a:ext>
-            </a:extLst>
-          </p:cNvPr>
-          <p:cNvSpPr/>
-          <p:nvPr/>
-        </p:nvSpPr>
-        <p:spPr>
-          <a:xfrm rot="5400000">
-            <a:off x="8406113" y="-1189922"/>
-            <a:ext cx="462988" cy="5432385"/>
-          </a:xfrm>
-          <a:prstGeom prst="leftBrace">
-            <a:avLst>
-              <a:gd name="adj1" fmla="val 35833"/>
-              <a:gd name="adj2" fmla="val 50000"/>
-            </a:avLst>
-          </a:prstGeom>
-          <a:ln w="38100">
-            <a:solidFill>
-              <a:schemeClr val="tx1"/>
-            </a:solidFill>
-          </a:ln>
-        </p:spPr>
-        <p:style>
-          <a:lnRef idx="1">
-            <a:schemeClr val="accent1"/>
-          </a:lnRef>
-          <a:fillRef idx="0">
-            <a:schemeClr val="accent1"/>
-          </a:fillRef>
-          <a:effectRef idx="0">
-            <a:schemeClr val="accent1"/>
-          </a:effectRef>
-          <a:fontRef idx="minor">
-            <a:schemeClr val="tx1"/>
-          </a:fontRef>
-        </p:style>
-        <p:txBody>
-          <a:bodyPr rtlCol="0" anchor="ctr"/>
-          <a:lstStyle/>
-          <a:p>
-            <a:pPr algn="ctr"/>
-            <a:endParaRPr lang="en-CH"/>
-          </a:p>
-        </p:txBody>
-      </p:sp>
-    </p:spTree>
-    <p:extLst>
-      <p:ext uri="{BB962C8B-B14F-4D97-AF65-F5344CB8AC3E}">
-        <p14:creationId xmlns:p14="http://schemas.microsoft.com/office/powerpoint/2010/main" val="751087175"/>
-      </p:ext>
-    </p:extLst>
-  </p:cSld>
-  <p:clrMapOvr>
-    <a:masterClrMapping/>
-  </p:clrMapOvr>
-  <mc:AlternateContent xmlns:mc="http://schemas.openxmlformats.org/markup-compatibility/2006" xmlns:p14="http://schemas.microsoft.com/office/powerpoint/2010/main">
-    <mc:Choice Requires="p14">
-      <p:transition spd="slow" p14:dur="2000" advTm="60246"/>
-    </mc:Choice>
-    <mc:Fallback xmlns="">
-      <p:transition spd="slow" advTm="60246"/>
-    </mc:Fallback>
-  </mc:AlternateContent>
-</p:sld>
-</file>
-
 <file path=ppt/tags/tag1.xml><?xml version="1.0" encoding="utf-8"?>
 <p:tagLst xmlns:a="http://schemas.openxmlformats.org/drawingml/2006/main" xmlns:r="http://schemas.openxmlformats.org/officeDocument/2006/relationships" xmlns:p="http://schemas.openxmlformats.org/presentationml/2006/main">
   <p:tag name="TIMING" val="|23.3|24.8|45.3|17.1|19|33"/>
